--- a/Graphs.pptx
+++ b/Graphs.pptx
@@ -8,6 +8,7 @@
     <p:sldId id="256" r:id="rId2"/>
     <p:sldId id="257" r:id="rId3"/>
     <p:sldId id="258" r:id="rId4"/>
+    <p:sldId id="259" r:id="rId5"/>
   </p:sldIdLst>
   <p:sldSz cx="12192000" cy="6858000"/>
   <p:notesSz cx="6858000" cy="9144000"/>
@@ -106,6 +107,11 @@
       </a:defRPr>
     </a:lvl9pPr>
   </p:defaultTextStyle>
+  <p:extLst>
+    <p:ext uri="{EFAFB233-063F-42B5-8137-9DF3F51BA10A}">
+      <p15:sldGuideLst xmlns:p15="http://schemas.microsoft.com/office/powerpoint/2012/main"/>
+    </p:ext>
+  </p:extLst>
 </p:presentation>
 </file>
 
@@ -256,7 +262,7 @@
           <a:p>
             <a:fld id="{B832F493-53CB-4EA3-A503-62C91CBE02D1}" type="datetimeFigureOut">
               <a:rPr lang="en-US" smtClean="0"/>
-              <a:t>5/27/2021</a:t>
+              <a:t>6/3/2021</a:t>
             </a:fld>
             <a:endParaRPr lang="en-US"/>
           </a:p>
@@ -454,7 +460,7 @@
           <a:p>
             <a:fld id="{B832F493-53CB-4EA3-A503-62C91CBE02D1}" type="datetimeFigureOut">
               <a:rPr lang="en-US" smtClean="0"/>
-              <a:t>5/27/2021</a:t>
+              <a:t>6/3/2021</a:t>
             </a:fld>
             <a:endParaRPr lang="en-US"/>
           </a:p>
@@ -662,7 +668,7 @@
           <a:p>
             <a:fld id="{B832F493-53CB-4EA3-A503-62C91CBE02D1}" type="datetimeFigureOut">
               <a:rPr lang="en-US" smtClean="0"/>
-              <a:t>5/27/2021</a:t>
+              <a:t>6/3/2021</a:t>
             </a:fld>
             <a:endParaRPr lang="en-US"/>
           </a:p>
@@ -860,7 +866,7 @@
           <a:p>
             <a:fld id="{B832F493-53CB-4EA3-A503-62C91CBE02D1}" type="datetimeFigureOut">
               <a:rPr lang="en-US" smtClean="0"/>
-              <a:t>5/27/2021</a:t>
+              <a:t>6/3/2021</a:t>
             </a:fld>
             <a:endParaRPr lang="en-US"/>
           </a:p>
@@ -1135,7 +1141,7 @@
           <a:p>
             <a:fld id="{B832F493-53CB-4EA3-A503-62C91CBE02D1}" type="datetimeFigureOut">
               <a:rPr lang="en-US" smtClean="0"/>
-              <a:t>5/27/2021</a:t>
+              <a:t>6/3/2021</a:t>
             </a:fld>
             <a:endParaRPr lang="en-US"/>
           </a:p>
@@ -1400,7 +1406,7 @@
           <a:p>
             <a:fld id="{B832F493-53CB-4EA3-A503-62C91CBE02D1}" type="datetimeFigureOut">
               <a:rPr lang="en-US" smtClean="0"/>
-              <a:t>5/27/2021</a:t>
+              <a:t>6/3/2021</a:t>
             </a:fld>
             <a:endParaRPr lang="en-US"/>
           </a:p>
@@ -1812,7 +1818,7 @@
           <a:p>
             <a:fld id="{B832F493-53CB-4EA3-A503-62C91CBE02D1}" type="datetimeFigureOut">
               <a:rPr lang="en-US" smtClean="0"/>
-              <a:t>5/27/2021</a:t>
+              <a:t>6/3/2021</a:t>
             </a:fld>
             <a:endParaRPr lang="en-US"/>
           </a:p>
@@ -1953,7 +1959,7 @@
           <a:p>
             <a:fld id="{B832F493-53CB-4EA3-A503-62C91CBE02D1}" type="datetimeFigureOut">
               <a:rPr lang="en-US" smtClean="0"/>
-              <a:t>5/27/2021</a:t>
+              <a:t>6/3/2021</a:t>
             </a:fld>
             <a:endParaRPr lang="en-US"/>
           </a:p>
@@ -2066,7 +2072,7 @@
           <a:p>
             <a:fld id="{B832F493-53CB-4EA3-A503-62C91CBE02D1}" type="datetimeFigureOut">
               <a:rPr lang="en-US" smtClean="0"/>
-              <a:t>5/27/2021</a:t>
+              <a:t>6/3/2021</a:t>
             </a:fld>
             <a:endParaRPr lang="en-US"/>
           </a:p>
@@ -2377,7 +2383,7 @@
           <a:p>
             <a:fld id="{B832F493-53CB-4EA3-A503-62C91CBE02D1}" type="datetimeFigureOut">
               <a:rPr lang="en-US" smtClean="0"/>
-              <a:t>5/27/2021</a:t>
+              <a:t>6/3/2021</a:t>
             </a:fld>
             <a:endParaRPr lang="en-US"/>
           </a:p>
@@ -2665,7 +2671,7 @@
           <a:p>
             <a:fld id="{B832F493-53CB-4EA3-A503-62C91CBE02D1}" type="datetimeFigureOut">
               <a:rPr lang="en-US" smtClean="0"/>
-              <a:t>5/27/2021</a:t>
+              <a:t>6/3/2021</a:t>
             </a:fld>
             <a:endParaRPr lang="en-US"/>
           </a:p>
@@ -2906,7 +2912,7 @@
           <a:p>
             <a:fld id="{B832F493-53CB-4EA3-A503-62C91CBE02D1}" type="datetimeFigureOut">
               <a:rPr lang="en-US" smtClean="0"/>
-              <a:t>5/27/2021</a:t>
+              <a:t>6/3/2021</a:t>
             </a:fld>
             <a:endParaRPr lang="en-US"/>
           </a:p>
@@ -5148,6 +5154,3025 @@
 </p:sld>
 </file>
 
+<file path=ppt/slides/slide4.xml><?xml version="1.0" encoding="utf-8"?>
+<p:sld xmlns:a="http://schemas.openxmlformats.org/drawingml/2006/main" xmlns:r="http://schemas.openxmlformats.org/officeDocument/2006/relationships" xmlns:p="http://schemas.openxmlformats.org/presentationml/2006/main">
+  <p:cSld>
+    <p:spTree>
+      <p:nvGrpSpPr>
+        <p:cNvPr id="1" name=""/>
+        <p:cNvGrpSpPr/>
+        <p:nvPr/>
+      </p:nvGrpSpPr>
+      <p:grpSpPr>
+        <a:xfrm>
+          <a:off x="0" y="0"/>
+          <a:ext cx="0" cy="0"/>
+          <a:chOff x="0" y="0"/>
+          <a:chExt cx="0" cy="0"/>
+        </a:xfrm>
+      </p:grpSpPr>
+      <p:grpSp>
+        <p:nvGrpSpPr>
+          <p:cNvPr id="22" name="Group 21">
+            <a:extLst>
+              <a:ext uri="{FF2B5EF4-FFF2-40B4-BE49-F238E27FC236}">
+                <a16:creationId xmlns:a16="http://schemas.microsoft.com/office/drawing/2014/main" id="{9F60E0ED-7BF7-4818-97A8-415D9D691BCA}"/>
+              </a:ext>
+            </a:extLst>
+          </p:cNvPr>
+          <p:cNvGrpSpPr/>
+          <p:nvPr/>
+        </p:nvGrpSpPr>
+        <p:grpSpPr>
+          <a:xfrm>
+            <a:off x="3348841" y="5823510"/>
+            <a:ext cx="5391398" cy="819861"/>
+            <a:chOff x="1104405" y="5152552"/>
+            <a:chExt cx="5391398" cy="819861"/>
+          </a:xfrm>
+        </p:grpSpPr>
+        <p:sp>
+          <p:nvSpPr>
+            <p:cNvPr id="4" name="TextBox 3">
+              <a:extLst>
+                <a:ext uri="{FF2B5EF4-FFF2-40B4-BE49-F238E27FC236}">
+                  <a16:creationId xmlns:a16="http://schemas.microsoft.com/office/drawing/2014/main" id="{89996C09-6B52-47BE-A7CE-110C6BF52DD4}"/>
+                </a:ext>
+              </a:extLst>
+            </p:cNvPr>
+            <p:cNvSpPr txBox="1"/>
+            <p:nvPr/>
+          </p:nvSpPr>
+          <p:spPr>
+            <a:xfrm>
+              <a:off x="2392878" y="5326082"/>
+              <a:ext cx="2824619" cy="646331"/>
+            </a:xfrm>
+            <a:prstGeom prst="rect">
+              <a:avLst/>
+            </a:prstGeom>
+            <a:noFill/>
+          </p:spPr>
+          <p:txBody>
+            <a:bodyPr wrap="none" rtlCol="0">
+              <a:spAutoFit/>
+            </a:bodyPr>
+            <a:lstStyle/>
+            <a:p>
+              <a:r>
+                <a:rPr lang="en-US" sz="3600" dirty="0"/>
+                <a:t>Main Window</a:t>
+              </a:r>
+            </a:p>
+          </p:txBody>
+        </p:sp>
+        <p:cxnSp>
+          <p:nvCxnSpPr>
+            <p:cNvPr id="6" name="Straight Connector 5">
+              <a:extLst>
+                <a:ext uri="{FF2B5EF4-FFF2-40B4-BE49-F238E27FC236}">
+                  <a16:creationId xmlns:a16="http://schemas.microsoft.com/office/drawing/2014/main" id="{3C4F6E7C-3CCC-43A1-B9FC-A56BFA8F3F8F}"/>
+                </a:ext>
+              </a:extLst>
+            </p:cNvPr>
+            <p:cNvCxnSpPr>
+              <a:cxnSpLocks/>
+            </p:cNvCxnSpPr>
+            <p:nvPr/>
+          </p:nvCxnSpPr>
+          <p:spPr>
+            <a:xfrm flipV="1">
+              <a:off x="1104405" y="5152552"/>
+              <a:ext cx="5391398" cy="13215"/>
+            </a:xfrm>
+            <a:prstGeom prst="line">
+              <a:avLst/>
+            </a:prstGeom>
+            <a:ln w="76200">
+              <a:solidFill>
+                <a:schemeClr val="accent2">
+                  <a:lumMod val="75000"/>
+                </a:schemeClr>
+              </a:solidFill>
+            </a:ln>
+          </p:spPr>
+          <p:style>
+            <a:lnRef idx="1">
+              <a:schemeClr val="accent1"/>
+            </a:lnRef>
+            <a:fillRef idx="0">
+              <a:schemeClr val="accent1"/>
+            </a:fillRef>
+            <a:effectRef idx="0">
+              <a:schemeClr val="accent1"/>
+            </a:effectRef>
+            <a:fontRef idx="minor">
+              <a:schemeClr val="tx1"/>
+            </a:fontRef>
+          </p:style>
+        </p:cxnSp>
+        <p:cxnSp>
+          <p:nvCxnSpPr>
+            <p:cNvPr id="8" name="Straight Connector 7">
+              <a:extLst>
+                <a:ext uri="{FF2B5EF4-FFF2-40B4-BE49-F238E27FC236}">
+                  <a16:creationId xmlns:a16="http://schemas.microsoft.com/office/drawing/2014/main" id="{C0AD37C4-652A-4513-AC92-DEECA0D07B8D}"/>
+                </a:ext>
+              </a:extLst>
+            </p:cNvPr>
+            <p:cNvCxnSpPr>
+              <a:cxnSpLocks/>
+            </p:cNvCxnSpPr>
+            <p:nvPr/>
+          </p:nvCxnSpPr>
+          <p:spPr>
+            <a:xfrm flipV="1">
+              <a:off x="1979923" y="5177643"/>
+              <a:ext cx="205137" cy="249381"/>
+            </a:xfrm>
+            <a:prstGeom prst="line">
+              <a:avLst/>
+            </a:prstGeom>
+            <a:ln w="57150">
+              <a:solidFill>
+                <a:schemeClr val="accent2">
+                  <a:lumMod val="75000"/>
+                </a:schemeClr>
+              </a:solidFill>
+            </a:ln>
+          </p:spPr>
+          <p:style>
+            <a:lnRef idx="1">
+              <a:schemeClr val="accent1"/>
+            </a:lnRef>
+            <a:fillRef idx="0">
+              <a:schemeClr val="accent1"/>
+            </a:fillRef>
+            <a:effectRef idx="0">
+              <a:schemeClr val="accent1"/>
+            </a:effectRef>
+            <a:fontRef idx="minor">
+              <a:schemeClr val="tx1"/>
+            </a:fontRef>
+          </p:style>
+        </p:cxnSp>
+        <p:cxnSp>
+          <p:nvCxnSpPr>
+            <p:cNvPr id="10" name="Straight Connector 9">
+              <a:extLst>
+                <a:ext uri="{FF2B5EF4-FFF2-40B4-BE49-F238E27FC236}">
+                  <a16:creationId xmlns:a16="http://schemas.microsoft.com/office/drawing/2014/main" id="{55077782-85CE-4B5F-830A-99E5E833E609}"/>
+                </a:ext>
+              </a:extLst>
+            </p:cNvPr>
+            <p:cNvCxnSpPr>
+              <a:cxnSpLocks/>
+            </p:cNvCxnSpPr>
+            <p:nvPr/>
+          </p:nvCxnSpPr>
+          <p:spPr>
+            <a:xfrm flipV="1">
+              <a:off x="2290310" y="5171704"/>
+              <a:ext cx="205137" cy="249381"/>
+            </a:xfrm>
+            <a:prstGeom prst="line">
+              <a:avLst/>
+            </a:prstGeom>
+            <a:ln w="57150">
+              <a:solidFill>
+                <a:schemeClr val="accent2">
+                  <a:lumMod val="75000"/>
+                </a:schemeClr>
+              </a:solidFill>
+            </a:ln>
+          </p:spPr>
+          <p:style>
+            <a:lnRef idx="1">
+              <a:schemeClr val="accent1"/>
+            </a:lnRef>
+            <a:fillRef idx="0">
+              <a:schemeClr val="accent1"/>
+            </a:fillRef>
+            <a:effectRef idx="0">
+              <a:schemeClr val="accent1"/>
+            </a:effectRef>
+            <a:fontRef idx="minor">
+              <a:schemeClr val="tx1"/>
+            </a:fontRef>
+          </p:style>
+        </p:cxnSp>
+        <p:cxnSp>
+          <p:nvCxnSpPr>
+            <p:cNvPr id="11" name="Straight Connector 10">
+              <a:extLst>
+                <a:ext uri="{FF2B5EF4-FFF2-40B4-BE49-F238E27FC236}">
+                  <a16:creationId xmlns:a16="http://schemas.microsoft.com/office/drawing/2014/main" id="{49256642-2FD4-405B-B624-CB5846F1AE17}"/>
+                </a:ext>
+              </a:extLst>
+            </p:cNvPr>
+            <p:cNvCxnSpPr>
+              <a:cxnSpLocks/>
+            </p:cNvCxnSpPr>
+            <p:nvPr/>
+          </p:nvCxnSpPr>
+          <p:spPr>
+            <a:xfrm flipV="1">
+              <a:off x="2600697" y="5183580"/>
+              <a:ext cx="205137" cy="249381"/>
+            </a:xfrm>
+            <a:prstGeom prst="line">
+              <a:avLst/>
+            </a:prstGeom>
+            <a:ln w="57150">
+              <a:solidFill>
+                <a:schemeClr val="accent2">
+                  <a:lumMod val="75000"/>
+                </a:schemeClr>
+              </a:solidFill>
+            </a:ln>
+          </p:spPr>
+          <p:style>
+            <a:lnRef idx="1">
+              <a:schemeClr val="accent1"/>
+            </a:lnRef>
+            <a:fillRef idx="0">
+              <a:schemeClr val="accent1"/>
+            </a:fillRef>
+            <a:effectRef idx="0">
+              <a:schemeClr val="accent1"/>
+            </a:effectRef>
+            <a:fontRef idx="minor">
+              <a:schemeClr val="tx1"/>
+            </a:fontRef>
+          </p:style>
+        </p:cxnSp>
+        <p:cxnSp>
+          <p:nvCxnSpPr>
+            <p:cNvPr id="12" name="Straight Connector 11">
+              <a:extLst>
+                <a:ext uri="{FF2B5EF4-FFF2-40B4-BE49-F238E27FC236}">
+                  <a16:creationId xmlns:a16="http://schemas.microsoft.com/office/drawing/2014/main" id="{E9B2A196-C7C9-48E1-8616-905ADDF79B34}"/>
+                </a:ext>
+              </a:extLst>
+            </p:cNvPr>
+            <p:cNvCxnSpPr>
+              <a:cxnSpLocks/>
+            </p:cNvCxnSpPr>
+            <p:nvPr/>
+          </p:nvCxnSpPr>
+          <p:spPr>
+            <a:xfrm flipV="1">
+              <a:off x="2911084" y="5177641"/>
+              <a:ext cx="205137" cy="249381"/>
+            </a:xfrm>
+            <a:prstGeom prst="line">
+              <a:avLst/>
+            </a:prstGeom>
+            <a:ln w="57150">
+              <a:solidFill>
+                <a:schemeClr val="accent2">
+                  <a:lumMod val="75000"/>
+                </a:schemeClr>
+              </a:solidFill>
+            </a:ln>
+          </p:spPr>
+          <p:style>
+            <a:lnRef idx="1">
+              <a:schemeClr val="accent1"/>
+            </a:lnRef>
+            <a:fillRef idx="0">
+              <a:schemeClr val="accent1"/>
+            </a:fillRef>
+            <a:effectRef idx="0">
+              <a:schemeClr val="accent1"/>
+            </a:effectRef>
+            <a:fontRef idx="minor">
+              <a:schemeClr val="tx1"/>
+            </a:fontRef>
+          </p:style>
+        </p:cxnSp>
+        <p:cxnSp>
+          <p:nvCxnSpPr>
+            <p:cNvPr id="13" name="Straight Connector 12">
+              <a:extLst>
+                <a:ext uri="{FF2B5EF4-FFF2-40B4-BE49-F238E27FC236}">
+                  <a16:creationId xmlns:a16="http://schemas.microsoft.com/office/drawing/2014/main" id="{58B9258B-2EF4-466D-8F90-C23928A34AF7}"/>
+                </a:ext>
+              </a:extLst>
+            </p:cNvPr>
+            <p:cNvCxnSpPr>
+              <a:cxnSpLocks/>
+            </p:cNvCxnSpPr>
+            <p:nvPr/>
+          </p:nvCxnSpPr>
+          <p:spPr>
+            <a:xfrm flipV="1">
+              <a:off x="3221471" y="5189518"/>
+              <a:ext cx="205137" cy="249381"/>
+            </a:xfrm>
+            <a:prstGeom prst="line">
+              <a:avLst/>
+            </a:prstGeom>
+            <a:ln w="57150">
+              <a:solidFill>
+                <a:schemeClr val="accent2">
+                  <a:lumMod val="75000"/>
+                </a:schemeClr>
+              </a:solidFill>
+            </a:ln>
+          </p:spPr>
+          <p:style>
+            <a:lnRef idx="1">
+              <a:schemeClr val="accent1"/>
+            </a:lnRef>
+            <a:fillRef idx="0">
+              <a:schemeClr val="accent1"/>
+            </a:fillRef>
+            <a:effectRef idx="0">
+              <a:schemeClr val="accent1"/>
+            </a:effectRef>
+            <a:fontRef idx="minor">
+              <a:schemeClr val="tx1"/>
+            </a:fontRef>
+          </p:style>
+        </p:cxnSp>
+        <p:cxnSp>
+          <p:nvCxnSpPr>
+            <p:cNvPr id="14" name="Straight Connector 13">
+              <a:extLst>
+                <a:ext uri="{FF2B5EF4-FFF2-40B4-BE49-F238E27FC236}">
+                  <a16:creationId xmlns:a16="http://schemas.microsoft.com/office/drawing/2014/main" id="{27DF19B4-49DE-423E-86AC-0C2BF730BF93}"/>
+                </a:ext>
+              </a:extLst>
+            </p:cNvPr>
+            <p:cNvCxnSpPr>
+              <a:cxnSpLocks/>
+            </p:cNvCxnSpPr>
+            <p:nvPr/>
+          </p:nvCxnSpPr>
+          <p:spPr>
+            <a:xfrm flipV="1">
+              <a:off x="3531858" y="5183579"/>
+              <a:ext cx="205137" cy="249381"/>
+            </a:xfrm>
+            <a:prstGeom prst="line">
+              <a:avLst/>
+            </a:prstGeom>
+            <a:ln w="57150">
+              <a:solidFill>
+                <a:schemeClr val="accent2">
+                  <a:lumMod val="75000"/>
+                </a:schemeClr>
+              </a:solidFill>
+            </a:ln>
+          </p:spPr>
+          <p:style>
+            <a:lnRef idx="1">
+              <a:schemeClr val="accent1"/>
+            </a:lnRef>
+            <a:fillRef idx="0">
+              <a:schemeClr val="accent1"/>
+            </a:fillRef>
+            <a:effectRef idx="0">
+              <a:schemeClr val="accent1"/>
+            </a:effectRef>
+            <a:fontRef idx="minor">
+              <a:schemeClr val="tx1"/>
+            </a:fontRef>
+          </p:style>
+        </p:cxnSp>
+        <p:cxnSp>
+          <p:nvCxnSpPr>
+            <p:cNvPr id="15" name="Straight Connector 14">
+              <a:extLst>
+                <a:ext uri="{FF2B5EF4-FFF2-40B4-BE49-F238E27FC236}">
+                  <a16:creationId xmlns:a16="http://schemas.microsoft.com/office/drawing/2014/main" id="{C06D80C2-3E89-4F24-8174-F68938B6AF2E}"/>
+                </a:ext>
+              </a:extLst>
+            </p:cNvPr>
+            <p:cNvCxnSpPr>
+              <a:cxnSpLocks/>
+            </p:cNvCxnSpPr>
+            <p:nvPr/>
+          </p:nvCxnSpPr>
+          <p:spPr>
+            <a:xfrm flipV="1">
+              <a:off x="3842245" y="5195455"/>
+              <a:ext cx="205137" cy="249381"/>
+            </a:xfrm>
+            <a:prstGeom prst="line">
+              <a:avLst/>
+            </a:prstGeom>
+            <a:ln w="57150">
+              <a:solidFill>
+                <a:schemeClr val="accent2">
+                  <a:lumMod val="75000"/>
+                </a:schemeClr>
+              </a:solidFill>
+            </a:ln>
+          </p:spPr>
+          <p:style>
+            <a:lnRef idx="1">
+              <a:schemeClr val="accent1"/>
+            </a:lnRef>
+            <a:fillRef idx="0">
+              <a:schemeClr val="accent1"/>
+            </a:fillRef>
+            <a:effectRef idx="0">
+              <a:schemeClr val="accent1"/>
+            </a:effectRef>
+            <a:fontRef idx="minor">
+              <a:schemeClr val="tx1"/>
+            </a:fontRef>
+          </p:style>
+        </p:cxnSp>
+        <p:cxnSp>
+          <p:nvCxnSpPr>
+            <p:cNvPr id="16" name="Straight Connector 15">
+              <a:extLst>
+                <a:ext uri="{FF2B5EF4-FFF2-40B4-BE49-F238E27FC236}">
+                  <a16:creationId xmlns:a16="http://schemas.microsoft.com/office/drawing/2014/main" id="{3CADA933-0E1E-4E10-81B7-3D918FB753C9}"/>
+                </a:ext>
+              </a:extLst>
+            </p:cNvPr>
+            <p:cNvCxnSpPr>
+              <a:cxnSpLocks/>
+            </p:cNvCxnSpPr>
+            <p:nvPr/>
+          </p:nvCxnSpPr>
+          <p:spPr>
+            <a:xfrm flipV="1">
+              <a:off x="4152632" y="5189516"/>
+              <a:ext cx="205137" cy="249381"/>
+            </a:xfrm>
+            <a:prstGeom prst="line">
+              <a:avLst/>
+            </a:prstGeom>
+            <a:ln w="57150">
+              <a:solidFill>
+                <a:schemeClr val="accent2">
+                  <a:lumMod val="75000"/>
+                </a:schemeClr>
+              </a:solidFill>
+            </a:ln>
+          </p:spPr>
+          <p:style>
+            <a:lnRef idx="1">
+              <a:schemeClr val="accent1"/>
+            </a:lnRef>
+            <a:fillRef idx="0">
+              <a:schemeClr val="accent1"/>
+            </a:fillRef>
+            <a:effectRef idx="0">
+              <a:schemeClr val="accent1"/>
+            </a:effectRef>
+            <a:fontRef idx="minor">
+              <a:schemeClr val="tx1"/>
+            </a:fontRef>
+          </p:style>
+        </p:cxnSp>
+        <p:cxnSp>
+          <p:nvCxnSpPr>
+            <p:cNvPr id="17" name="Straight Connector 16">
+              <a:extLst>
+                <a:ext uri="{FF2B5EF4-FFF2-40B4-BE49-F238E27FC236}">
+                  <a16:creationId xmlns:a16="http://schemas.microsoft.com/office/drawing/2014/main" id="{A8AA978B-F249-43BD-945B-26C7A211E43F}"/>
+                </a:ext>
+              </a:extLst>
+            </p:cNvPr>
+            <p:cNvCxnSpPr>
+              <a:cxnSpLocks/>
+            </p:cNvCxnSpPr>
+            <p:nvPr/>
+          </p:nvCxnSpPr>
+          <p:spPr>
+            <a:xfrm flipV="1">
+              <a:off x="4463019" y="5171706"/>
+              <a:ext cx="205137" cy="249381"/>
+            </a:xfrm>
+            <a:prstGeom prst="line">
+              <a:avLst/>
+            </a:prstGeom>
+            <a:ln w="57150">
+              <a:solidFill>
+                <a:schemeClr val="accent2">
+                  <a:lumMod val="75000"/>
+                </a:schemeClr>
+              </a:solidFill>
+            </a:ln>
+          </p:spPr>
+          <p:style>
+            <a:lnRef idx="1">
+              <a:schemeClr val="accent1"/>
+            </a:lnRef>
+            <a:fillRef idx="0">
+              <a:schemeClr val="accent1"/>
+            </a:fillRef>
+            <a:effectRef idx="0">
+              <a:schemeClr val="accent1"/>
+            </a:effectRef>
+            <a:fontRef idx="minor">
+              <a:schemeClr val="tx1"/>
+            </a:fontRef>
+          </p:style>
+        </p:cxnSp>
+        <p:cxnSp>
+          <p:nvCxnSpPr>
+            <p:cNvPr id="18" name="Straight Connector 17">
+              <a:extLst>
+                <a:ext uri="{FF2B5EF4-FFF2-40B4-BE49-F238E27FC236}">
+                  <a16:creationId xmlns:a16="http://schemas.microsoft.com/office/drawing/2014/main" id="{A15C8FF4-AC77-4A5F-9057-53FD4E4E2063}"/>
+                </a:ext>
+              </a:extLst>
+            </p:cNvPr>
+            <p:cNvCxnSpPr>
+              <a:cxnSpLocks/>
+            </p:cNvCxnSpPr>
+            <p:nvPr/>
+          </p:nvCxnSpPr>
+          <p:spPr>
+            <a:xfrm flipV="1">
+              <a:off x="4773406" y="5165767"/>
+              <a:ext cx="205137" cy="249381"/>
+            </a:xfrm>
+            <a:prstGeom prst="line">
+              <a:avLst/>
+            </a:prstGeom>
+            <a:ln w="57150">
+              <a:solidFill>
+                <a:schemeClr val="accent2">
+                  <a:lumMod val="75000"/>
+                </a:schemeClr>
+              </a:solidFill>
+            </a:ln>
+          </p:spPr>
+          <p:style>
+            <a:lnRef idx="1">
+              <a:schemeClr val="accent1"/>
+            </a:lnRef>
+            <a:fillRef idx="0">
+              <a:schemeClr val="accent1"/>
+            </a:fillRef>
+            <a:effectRef idx="0">
+              <a:schemeClr val="accent1"/>
+            </a:effectRef>
+            <a:fontRef idx="minor">
+              <a:schemeClr val="tx1"/>
+            </a:fontRef>
+          </p:style>
+        </p:cxnSp>
+        <p:cxnSp>
+          <p:nvCxnSpPr>
+            <p:cNvPr id="19" name="Straight Connector 18">
+              <a:extLst>
+                <a:ext uri="{FF2B5EF4-FFF2-40B4-BE49-F238E27FC236}">
+                  <a16:creationId xmlns:a16="http://schemas.microsoft.com/office/drawing/2014/main" id="{145C618D-4B82-41C0-A5E4-5A4207181C1A}"/>
+                </a:ext>
+              </a:extLst>
+            </p:cNvPr>
+            <p:cNvCxnSpPr>
+              <a:cxnSpLocks/>
+            </p:cNvCxnSpPr>
+            <p:nvPr/>
+          </p:nvCxnSpPr>
+          <p:spPr>
+            <a:xfrm flipV="1">
+              <a:off x="5083793" y="5177643"/>
+              <a:ext cx="205137" cy="249381"/>
+            </a:xfrm>
+            <a:prstGeom prst="line">
+              <a:avLst/>
+            </a:prstGeom>
+            <a:ln w="57150">
+              <a:solidFill>
+                <a:schemeClr val="accent2">
+                  <a:lumMod val="75000"/>
+                </a:schemeClr>
+              </a:solidFill>
+            </a:ln>
+          </p:spPr>
+          <p:style>
+            <a:lnRef idx="1">
+              <a:schemeClr val="accent1"/>
+            </a:lnRef>
+            <a:fillRef idx="0">
+              <a:schemeClr val="accent1"/>
+            </a:fillRef>
+            <a:effectRef idx="0">
+              <a:schemeClr val="accent1"/>
+            </a:effectRef>
+            <a:fontRef idx="minor">
+              <a:schemeClr val="tx1"/>
+            </a:fontRef>
+          </p:style>
+        </p:cxnSp>
+        <p:cxnSp>
+          <p:nvCxnSpPr>
+            <p:cNvPr id="20" name="Straight Connector 19">
+              <a:extLst>
+                <a:ext uri="{FF2B5EF4-FFF2-40B4-BE49-F238E27FC236}">
+                  <a16:creationId xmlns:a16="http://schemas.microsoft.com/office/drawing/2014/main" id="{7EE85230-9445-4CAF-ABCA-BA4A3BB3F5B8}"/>
+                </a:ext>
+              </a:extLst>
+            </p:cNvPr>
+            <p:cNvCxnSpPr>
+              <a:cxnSpLocks/>
+            </p:cNvCxnSpPr>
+            <p:nvPr/>
+          </p:nvCxnSpPr>
+          <p:spPr>
+            <a:xfrm flipV="1">
+              <a:off x="5394180" y="5171704"/>
+              <a:ext cx="205137" cy="249381"/>
+            </a:xfrm>
+            <a:prstGeom prst="line">
+              <a:avLst/>
+            </a:prstGeom>
+            <a:ln w="57150">
+              <a:solidFill>
+                <a:schemeClr val="accent2">
+                  <a:lumMod val="75000"/>
+                </a:schemeClr>
+              </a:solidFill>
+            </a:ln>
+          </p:spPr>
+          <p:style>
+            <a:lnRef idx="1">
+              <a:schemeClr val="accent1"/>
+            </a:lnRef>
+            <a:fillRef idx="0">
+              <a:schemeClr val="accent1"/>
+            </a:fillRef>
+            <a:effectRef idx="0">
+              <a:schemeClr val="accent1"/>
+            </a:effectRef>
+            <a:fontRef idx="minor">
+              <a:schemeClr val="tx1"/>
+            </a:fontRef>
+          </p:style>
+        </p:cxnSp>
+      </p:grpSp>
+      <p:grpSp>
+        <p:nvGrpSpPr>
+          <p:cNvPr id="128" name="Group 127">
+            <a:extLst>
+              <a:ext uri="{FF2B5EF4-FFF2-40B4-BE49-F238E27FC236}">
+                <a16:creationId xmlns:a16="http://schemas.microsoft.com/office/drawing/2014/main" id="{78BB1D29-9943-41D9-BB98-A9AFE8454882}"/>
+              </a:ext>
+            </a:extLst>
+          </p:cNvPr>
+          <p:cNvGrpSpPr/>
+          <p:nvPr/>
+        </p:nvGrpSpPr>
+        <p:grpSpPr>
+          <a:xfrm>
+            <a:off x="2655529" y="1422411"/>
+            <a:ext cx="6788189" cy="4410527"/>
+            <a:chOff x="3160230" y="929583"/>
+            <a:chExt cx="6788189" cy="4410527"/>
+          </a:xfrm>
+        </p:grpSpPr>
+        <p:sp>
+          <p:nvSpPr>
+            <p:cNvPr id="23" name="Oval 22">
+              <a:extLst>
+                <a:ext uri="{FF2B5EF4-FFF2-40B4-BE49-F238E27FC236}">
+                  <a16:creationId xmlns:a16="http://schemas.microsoft.com/office/drawing/2014/main" id="{0B034755-B75C-43B5-B7D4-B93B1B26E214}"/>
+                </a:ext>
+              </a:extLst>
+            </p:cNvPr>
+            <p:cNvSpPr/>
+            <p:nvPr/>
+          </p:nvSpPr>
+          <p:spPr>
+            <a:xfrm>
+              <a:off x="5828826" y="4453248"/>
+              <a:ext cx="1450996" cy="428386"/>
+            </a:xfrm>
+            <a:prstGeom prst="ellipse">
+              <a:avLst/>
+            </a:prstGeom>
+            <a:solidFill>
+              <a:srgbClr val="00B050"/>
+            </a:solidFill>
+            <a:ln>
+              <a:noFill/>
+            </a:ln>
+          </p:spPr>
+          <p:style>
+            <a:lnRef idx="2">
+              <a:schemeClr val="accent1">
+                <a:shade val="50000"/>
+              </a:schemeClr>
+            </a:lnRef>
+            <a:fillRef idx="1">
+              <a:schemeClr val="accent1"/>
+            </a:fillRef>
+            <a:effectRef idx="0">
+              <a:schemeClr val="accent1"/>
+            </a:effectRef>
+            <a:fontRef idx="minor">
+              <a:schemeClr val="lt1"/>
+            </a:fontRef>
+          </p:style>
+          <p:txBody>
+            <a:bodyPr rtlCol="0" anchor="ctr"/>
+            <a:lstStyle/>
+            <a:p>
+              <a:pPr algn="ctr"/>
+              <a:r>
+                <a:rPr lang="en-US" sz="1600" dirty="0"/>
+                <a:t>&lt;Bounds&gt;</a:t>
+              </a:r>
+            </a:p>
+          </p:txBody>
+        </p:sp>
+        <p:sp>
+          <p:nvSpPr>
+            <p:cNvPr id="24" name="Oval 23">
+              <a:extLst>
+                <a:ext uri="{FF2B5EF4-FFF2-40B4-BE49-F238E27FC236}">
+                  <a16:creationId xmlns:a16="http://schemas.microsoft.com/office/drawing/2014/main" id="{A2251B34-DB6F-4EA6-9F59-3C8EE0B36215}"/>
+                </a:ext>
+              </a:extLst>
+            </p:cNvPr>
+            <p:cNvSpPr/>
+            <p:nvPr/>
+          </p:nvSpPr>
+          <p:spPr>
+            <a:xfrm>
+              <a:off x="5828826" y="3852672"/>
+              <a:ext cx="1450996" cy="428386"/>
+            </a:xfrm>
+            <a:prstGeom prst="ellipse">
+              <a:avLst/>
+            </a:prstGeom>
+            <a:solidFill>
+              <a:srgbClr val="00B050"/>
+            </a:solidFill>
+            <a:ln>
+              <a:noFill/>
+            </a:ln>
+          </p:spPr>
+          <p:style>
+            <a:lnRef idx="2">
+              <a:schemeClr val="accent1">
+                <a:shade val="50000"/>
+              </a:schemeClr>
+            </a:lnRef>
+            <a:fillRef idx="1">
+              <a:schemeClr val="accent1"/>
+            </a:fillRef>
+            <a:effectRef idx="0">
+              <a:schemeClr val="accent1"/>
+            </a:effectRef>
+            <a:fontRef idx="minor">
+              <a:schemeClr val="lt1"/>
+            </a:fontRef>
+          </p:style>
+          <p:txBody>
+            <a:bodyPr rtlCol="0" anchor="ctr"/>
+            <a:lstStyle/>
+            <a:p>
+              <a:pPr algn="ctr"/>
+              <a:r>
+                <a:rPr lang="en-US" sz="1600" dirty="0"/>
+                <a:t>&lt;Table&gt;</a:t>
+              </a:r>
+            </a:p>
+          </p:txBody>
+        </p:sp>
+        <p:sp>
+          <p:nvSpPr>
+            <p:cNvPr id="25" name="Oval 24">
+              <a:extLst>
+                <a:ext uri="{FF2B5EF4-FFF2-40B4-BE49-F238E27FC236}">
+                  <a16:creationId xmlns:a16="http://schemas.microsoft.com/office/drawing/2014/main" id="{CDAC337A-4153-4DC9-929D-E03E7B7419B1}"/>
+                </a:ext>
+              </a:extLst>
+            </p:cNvPr>
+            <p:cNvSpPr/>
+            <p:nvPr/>
+          </p:nvSpPr>
+          <p:spPr>
+            <a:xfrm>
+              <a:off x="5828826" y="3252096"/>
+              <a:ext cx="1450996" cy="428386"/>
+            </a:xfrm>
+            <a:prstGeom prst="ellipse">
+              <a:avLst/>
+            </a:prstGeom>
+            <a:solidFill>
+              <a:srgbClr val="00B050"/>
+            </a:solidFill>
+            <a:ln>
+              <a:noFill/>
+            </a:ln>
+          </p:spPr>
+          <p:style>
+            <a:lnRef idx="2">
+              <a:schemeClr val="accent1">
+                <a:shade val="50000"/>
+              </a:schemeClr>
+            </a:lnRef>
+            <a:fillRef idx="1">
+              <a:schemeClr val="accent1"/>
+            </a:fillRef>
+            <a:effectRef idx="0">
+              <a:schemeClr val="accent1"/>
+            </a:effectRef>
+            <a:fontRef idx="minor">
+              <a:schemeClr val="lt1"/>
+            </a:fontRef>
+          </p:style>
+          <p:txBody>
+            <a:bodyPr rtlCol="0" anchor="ctr"/>
+            <a:lstStyle/>
+            <a:p>
+              <a:pPr algn="ctr"/>
+              <a:r>
+                <a:rPr lang="en-US" sz="1600" dirty="0"/>
+                <a:t>&lt;Cell&gt;</a:t>
+              </a:r>
+            </a:p>
+          </p:txBody>
+        </p:sp>
+        <p:sp>
+          <p:nvSpPr>
+            <p:cNvPr id="26" name="Oval 25">
+              <a:extLst>
+                <a:ext uri="{FF2B5EF4-FFF2-40B4-BE49-F238E27FC236}">
+                  <a16:creationId xmlns:a16="http://schemas.microsoft.com/office/drawing/2014/main" id="{EA5D875A-065E-4869-94B4-D138AAC667B3}"/>
+                </a:ext>
+              </a:extLst>
+            </p:cNvPr>
+            <p:cNvSpPr/>
+            <p:nvPr/>
+          </p:nvSpPr>
+          <p:spPr>
+            <a:xfrm>
+              <a:off x="3160230" y="3257715"/>
+              <a:ext cx="1450996" cy="428386"/>
+            </a:xfrm>
+            <a:prstGeom prst="ellipse">
+              <a:avLst/>
+            </a:prstGeom>
+            <a:solidFill>
+              <a:srgbClr val="00B050"/>
+            </a:solidFill>
+            <a:ln>
+              <a:noFill/>
+            </a:ln>
+          </p:spPr>
+          <p:style>
+            <a:lnRef idx="2">
+              <a:schemeClr val="accent1">
+                <a:shade val="50000"/>
+              </a:schemeClr>
+            </a:lnRef>
+            <a:fillRef idx="1">
+              <a:schemeClr val="accent1"/>
+            </a:fillRef>
+            <a:effectRef idx="0">
+              <a:schemeClr val="accent1"/>
+            </a:effectRef>
+            <a:fontRef idx="minor">
+              <a:schemeClr val="lt1"/>
+            </a:fontRef>
+          </p:style>
+          <p:txBody>
+            <a:bodyPr rtlCol="0" anchor="ctr"/>
+            <a:lstStyle/>
+            <a:p>
+              <a:pPr algn="ctr"/>
+              <a:r>
+                <a:rPr lang="en-US" sz="1600" dirty="0"/>
+                <a:t>&lt;Cell&gt;</a:t>
+              </a:r>
+            </a:p>
+          </p:txBody>
+        </p:sp>
+        <p:sp>
+          <p:nvSpPr>
+            <p:cNvPr id="27" name="Oval 26">
+              <a:extLst>
+                <a:ext uri="{FF2B5EF4-FFF2-40B4-BE49-F238E27FC236}">
+                  <a16:creationId xmlns:a16="http://schemas.microsoft.com/office/drawing/2014/main" id="{27B5CEF8-8670-4907-8D02-C940A8E2A094}"/>
+                </a:ext>
+              </a:extLst>
+            </p:cNvPr>
+            <p:cNvSpPr/>
+            <p:nvPr/>
+          </p:nvSpPr>
+          <p:spPr>
+            <a:xfrm>
+              <a:off x="8497423" y="3273509"/>
+              <a:ext cx="1450996" cy="428386"/>
+            </a:xfrm>
+            <a:prstGeom prst="ellipse">
+              <a:avLst/>
+            </a:prstGeom>
+            <a:solidFill>
+              <a:srgbClr val="00B050"/>
+            </a:solidFill>
+            <a:ln>
+              <a:noFill/>
+            </a:ln>
+          </p:spPr>
+          <p:style>
+            <a:lnRef idx="2">
+              <a:schemeClr val="accent1">
+                <a:shade val="50000"/>
+              </a:schemeClr>
+            </a:lnRef>
+            <a:fillRef idx="1">
+              <a:schemeClr val="accent1"/>
+            </a:fillRef>
+            <a:effectRef idx="0">
+              <a:schemeClr val="accent1"/>
+            </a:effectRef>
+            <a:fontRef idx="minor">
+              <a:schemeClr val="lt1"/>
+            </a:fontRef>
+          </p:style>
+          <p:txBody>
+            <a:bodyPr rtlCol="0" anchor="ctr"/>
+            <a:lstStyle/>
+            <a:p>
+              <a:pPr algn="ctr"/>
+              <a:r>
+                <a:rPr lang="en-US" sz="1600" dirty="0"/>
+                <a:t>&lt;Cell&gt;</a:t>
+              </a:r>
+            </a:p>
+          </p:txBody>
+        </p:sp>
+        <p:sp>
+          <p:nvSpPr>
+            <p:cNvPr id="30" name="Oval 29">
+              <a:extLst>
+                <a:ext uri="{FF2B5EF4-FFF2-40B4-BE49-F238E27FC236}">
+                  <a16:creationId xmlns:a16="http://schemas.microsoft.com/office/drawing/2014/main" id="{AFB752A0-8813-4E41-B343-FFE179DDB892}"/>
+                </a:ext>
+              </a:extLst>
+            </p:cNvPr>
+            <p:cNvSpPr/>
+            <p:nvPr/>
+          </p:nvSpPr>
+          <p:spPr>
+            <a:xfrm>
+              <a:off x="3160230" y="2680893"/>
+              <a:ext cx="1450996" cy="428386"/>
+            </a:xfrm>
+            <a:prstGeom prst="ellipse">
+              <a:avLst/>
+            </a:prstGeom>
+            <a:solidFill>
+              <a:srgbClr val="00B050"/>
+            </a:solidFill>
+            <a:ln>
+              <a:noFill/>
+            </a:ln>
+          </p:spPr>
+          <p:style>
+            <a:lnRef idx="2">
+              <a:schemeClr val="accent1">
+                <a:shade val="50000"/>
+              </a:schemeClr>
+            </a:lnRef>
+            <a:fillRef idx="1">
+              <a:schemeClr val="accent1"/>
+            </a:fillRef>
+            <a:effectRef idx="0">
+              <a:schemeClr val="accent1"/>
+            </a:effectRef>
+            <a:fontRef idx="minor">
+              <a:schemeClr val="lt1"/>
+            </a:fontRef>
+          </p:style>
+          <p:txBody>
+            <a:bodyPr rtlCol="0" anchor="ctr"/>
+            <a:lstStyle/>
+            <a:p>
+              <a:pPr algn="ctr"/>
+              <a:r>
+                <a:rPr lang="en-US" sz="1600" dirty="0"/>
+                <a:t>&lt;Bounds&gt;</a:t>
+              </a:r>
+            </a:p>
+          </p:txBody>
+        </p:sp>
+        <p:sp>
+          <p:nvSpPr>
+            <p:cNvPr id="32" name="Oval 31">
+              <a:extLst>
+                <a:ext uri="{FF2B5EF4-FFF2-40B4-BE49-F238E27FC236}">
+                  <a16:creationId xmlns:a16="http://schemas.microsoft.com/office/drawing/2014/main" id="{B580B6D9-1541-4F98-8B24-8791E56AE3C4}"/>
+                </a:ext>
+              </a:extLst>
+            </p:cNvPr>
+            <p:cNvSpPr/>
+            <p:nvPr/>
+          </p:nvSpPr>
+          <p:spPr>
+            <a:xfrm>
+              <a:off x="5828826" y="2665292"/>
+              <a:ext cx="1450996" cy="428386"/>
+            </a:xfrm>
+            <a:prstGeom prst="ellipse">
+              <a:avLst/>
+            </a:prstGeom>
+            <a:solidFill>
+              <a:srgbClr val="00B050"/>
+            </a:solidFill>
+            <a:ln>
+              <a:noFill/>
+            </a:ln>
+          </p:spPr>
+          <p:style>
+            <a:lnRef idx="2">
+              <a:schemeClr val="accent1">
+                <a:shade val="50000"/>
+              </a:schemeClr>
+            </a:lnRef>
+            <a:fillRef idx="1">
+              <a:schemeClr val="accent1"/>
+            </a:fillRef>
+            <a:effectRef idx="0">
+              <a:schemeClr val="accent1"/>
+            </a:effectRef>
+            <a:fontRef idx="minor">
+              <a:schemeClr val="lt1"/>
+            </a:fontRef>
+          </p:style>
+          <p:txBody>
+            <a:bodyPr rtlCol="0" anchor="ctr"/>
+            <a:lstStyle/>
+            <a:p>
+              <a:pPr algn="ctr"/>
+              <a:r>
+                <a:rPr lang="en-US" sz="1600" dirty="0"/>
+                <a:t>&lt;Bounds&gt;</a:t>
+              </a:r>
+            </a:p>
+          </p:txBody>
+        </p:sp>
+        <p:sp>
+          <p:nvSpPr>
+            <p:cNvPr id="33" name="Oval 32">
+              <a:extLst>
+                <a:ext uri="{FF2B5EF4-FFF2-40B4-BE49-F238E27FC236}">
+                  <a16:creationId xmlns:a16="http://schemas.microsoft.com/office/drawing/2014/main" id="{0AD10526-51DB-4543-9055-2AEA4C716757}"/>
+                </a:ext>
+              </a:extLst>
+            </p:cNvPr>
+            <p:cNvSpPr/>
+            <p:nvPr/>
+          </p:nvSpPr>
+          <p:spPr>
+            <a:xfrm>
+              <a:off x="5828826" y="2096585"/>
+              <a:ext cx="1450996" cy="428386"/>
+            </a:xfrm>
+            <a:prstGeom prst="ellipse">
+              <a:avLst/>
+            </a:prstGeom>
+            <a:solidFill>
+              <a:srgbClr val="00B050"/>
+            </a:solidFill>
+            <a:ln>
+              <a:noFill/>
+            </a:ln>
+          </p:spPr>
+          <p:style>
+            <a:lnRef idx="2">
+              <a:schemeClr val="accent1">
+                <a:shade val="50000"/>
+              </a:schemeClr>
+            </a:lnRef>
+            <a:fillRef idx="1">
+              <a:schemeClr val="accent1"/>
+            </a:fillRef>
+            <a:effectRef idx="0">
+              <a:schemeClr val="accent1"/>
+            </a:effectRef>
+            <a:fontRef idx="minor">
+              <a:schemeClr val="lt1"/>
+            </a:fontRef>
+          </p:style>
+          <p:txBody>
+            <a:bodyPr rtlCol="0" anchor="ctr"/>
+            <a:lstStyle/>
+            <a:p>
+              <a:pPr algn="ctr"/>
+              <a:r>
+                <a:rPr lang="en-US" sz="1600" dirty="0"/>
+                <a:t>&lt;Bounds&gt;</a:t>
+              </a:r>
+            </a:p>
+          </p:txBody>
+        </p:sp>
+        <p:sp>
+          <p:nvSpPr>
+            <p:cNvPr id="34" name="Oval 33">
+              <a:extLst>
+                <a:ext uri="{FF2B5EF4-FFF2-40B4-BE49-F238E27FC236}">
+                  <a16:creationId xmlns:a16="http://schemas.microsoft.com/office/drawing/2014/main" id="{2D0D6139-49C2-498E-A506-9B23E4C46D8B}"/>
+                </a:ext>
+              </a:extLst>
+            </p:cNvPr>
+            <p:cNvSpPr/>
+            <p:nvPr/>
+          </p:nvSpPr>
+          <p:spPr>
+            <a:xfrm>
+              <a:off x="5828826" y="1517890"/>
+              <a:ext cx="1450996" cy="428386"/>
+            </a:xfrm>
+            <a:prstGeom prst="ellipse">
+              <a:avLst/>
+            </a:prstGeom>
+            <a:solidFill>
+              <a:srgbClr val="00B050"/>
+            </a:solidFill>
+            <a:ln>
+              <a:noFill/>
+            </a:ln>
+          </p:spPr>
+          <p:style>
+            <a:lnRef idx="2">
+              <a:schemeClr val="accent1">
+                <a:shade val="50000"/>
+              </a:schemeClr>
+            </a:lnRef>
+            <a:fillRef idx="1">
+              <a:schemeClr val="accent1"/>
+            </a:fillRef>
+            <a:effectRef idx="0">
+              <a:schemeClr val="accent1"/>
+            </a:effectRef>
+            <a:fontRef idx="minor">
+              <a:schemeClr val="lt1"/>
+            </a:fontRef>
+          </p:style>
+          <p:txBody>
+            <a:bodyPr rtlCol="0" anchor="ctr"/>
+            <a:lstStyle/>
+            <a:p>
+              <a:pPr algn="ctr"/>
+              <a:r>
+                <a:rPr lang="en-US" sz="1600" dirty="0"/>
+                <a:t>&lt;Bounds&gt;</a:t>
+              </a:r>
+            </a:p>
+          </p:txBody>
+        </p:sp>
+        <p:sp>
+          <p:nvSpPr>
+            <p:cNvPr id="35" name="Oval 34">
+              <a:extLst>
+                <a:ext uri="{FF2B5EF4-FFF2-40B4-BE49-F238E27FC236}">
+                  <a16:creationId xmlns:a16="http://schemas.microsoft.com/office/drawing/2014/main" id="{25EE05E4-7031-425A-B5D7-C6E962972BE9}"/>
+                </a:ext>
+              </a:extLst>
+            </p:cNvPr>
+            <p:cNvSpPr/>
+            <p:nvPr/>
+          </p:nvSpPr>
+          <p:spPr>
+            <a:xfrm>
+              <a:off x="8497423" y="2696693"/>
+              <a:ext cx="1450996" cy="428386"/>
+            </a:xfrm>
+            <a:prstGeom prst="ellipse">
+              <a:avLst/>
+            </a:prstGeom>
+            <a:solidFill>
+              <a:srgbClr val="00B050"/>
+            </a:solidFill>
+            <a:ln>
+              <a:noFill/>
+            </a:ln>
+          </p:spPr>
+          <p:style>
+            <a:lnRef idx="2">
+              <a:schemeClr val="accent1">
+                <a:shade val="50000"/>
+              </a:schemeClr>
+            </a:lnRef>
+            <a:fillRef idx="1">
+              <a:schemeClr val="accent1"/>
+            </a:fillRef>
+            <a:effectRef idx="0">
+              <a:schemeClr val="accent1"/>
+            </a:effectRef>
+            <a:fontRef idx="minor">
+              <a:schemeClr val="lt1"/>
+            </a:fontRef>
+          </p:style>
+          <p:txBody>
+            <a:bodyPr rtlCol="0" anchor="ctr"/>
+            <a:lstStyle/>
+            <a:p>
+              <a:pPr algn="ctr"/>
+              <a:r>
+                <a:rPr lang="en-US" sz="1600" dirty="0"/>
+                <a:t>&lt;Bounds&gt;</a:t>
+              </a:r>
+            </a:p>
+          </p:txBody>
+        </p:sp>
+        <p:sp>
+          <p:nvSpPr>
+            <p:cNvPr id="36" name="Oval 35">
+              <a:extLst>
+                <a:ext uri="{FF2B5EF4-FFF2-40B4-BE49-F238E27FC236}">
+                  <a16:creationId xmlns:a16="http://schemas.microsoft.com/office/drawing/2014/main" id="{133E8E4E-052A-49B0-8F97-77866EB9BB4B}"/>
+                </a:ext>
+              </a:extLst>
+            </p:cNvPr>
+            <p:cNvSpPr/>
+            <p:nvPr/>
+          </p:nvSpPr>
+          <p:spPr>
+            <a:xfrm>
+              <a:off x="8497423" y="2117998"/>
+              <a:ext cx="1450996" cy="428386"/>
+            </a:xfrm>
+            <a:prstGeom prst="ellipse">
+              <a:avLst/>
+            </a:prstGeom>
+            <a:solidFill>
+              <a:srgbClr val="00B050"/>
+            </a:solidFill>
+            <a:ln>
+              <a:noFill/>
+            </a:ln>
+          </p:spPr>
+          <p:style>
+            <a:lnRef idx="2">
+              <a:schemeClr val="accent1">
+                <a:shade val="50000"/>
+              </a:schemeClr>
+            </a:lnRef>
+            <a:fillRef idx="1">
+              <a:schemeClr val="accent1"/>
+            </a:fillRef>
+            <a:effectRef idx="0">
+              <a:schemeClr val="accent1"/>
+            </a:effectRef>
+            <a:fontRef idx="minor">
+              <a:schemeClr val="lt1"/>
+            </a:fontRef>
+          </p:style>
+          <p:txBody>
+            <a:bodyPr rtlCol="0" anchor="ctr"/>
+            <a:lstStyle/>
+            <a:p>
+              <a:pPr algn="ctr"/>
+              <a:r>
+                <a:rPr lang="en-US" sz="1600" dirty="0"/>
+                <a:t>&lt;Bounds&gt;</a:t>
+              </a:r>
+            </a:p>
+          </p:txBody>
+        </p:sp>
+        <p:sp>
+          <p:nvSpPr>
+            <p:cNvPr id="37" name="Oval 36">
+              <a:extLst>
+                <a:ext uri="{FF2B5EF4-FFF2-40B4-BE49-F238E27FC236}">
+                  <a16:creationId xmlns:a16="http://schemas.microsoft.com/office/drawing/2014/main" id="{23E9501E-E990-46B4-9819-B62171BD6297}"/>
+                </a:ext>
+              </a:extLst>
+            </p:cNvPr>
+            <p:cNvSpPr/>
+            <p:nvPr/>
+          </p:nvSpPr>
+          <p:spPr>
+            <a:xfrm>
+              <a:off x="8497423" y="1539303"/>
+              <a:ext cx="1450996" cy="428386"/>
+            </a:xfrm>
+            <a:prstGeom prst="ellipse">
+              <a:avLst/>
+            </a:prstGeom>
+            <a:solidFill>
+              <a:srgbClr val="00B050"/>
+            </a:solidFill>
+            <a:ln>
+              <a:noFill/>
+            </a:ln>
+          </p:spPr>
+          <p:style>
+            <a:lnRef idx="2">
+              <a:schemeClr val="accent1">
+                <a:shade val="50000"/>
+              </a:schemeClr>
+            </a:lnRef>
+            <a:fillRef idx="1">
+              <a:schemeClr val="accent1"/>
+            </a:fillRef>
+            <a:effectRef idx="0">
+              <a:schemeClr val="accent1"/>
+            </a:effectRef>
+            <a:fontRef idx="minor">
+              <a:schemeClr val="lt1"/>
+            </a:fontRef>
+          </p:style>
+          <p:txBody>
+            <a:bodyPr rtlCol="0" anchor="ctr"/>
+            <a:lstStyle/>
+            <a:p>
+              <a:pPr algn="ctr"/>
+              <a:r>
+                <a:rPr lang="en-US" sz="1600" dirty="0"/>
+                <a:t>&lt;Bounds&gt;</a:t>
+              </a:r>
+            </a:p>
+          </p:txBody>
+        </p:sp>
+        <p:cxnSp>
+          <p:nvCxnSpPr>
+            <p:cNvPr id="39" name="Straight Connector 38">
+              <a:extLst>
+                <a:ext uri="{FF2B5EF4-FFF2-40B4-BE49-F238E27FC236}">
+                  <a16:creationId xmlns:a16="http://schemas.microsoft.com/office/drawing/2014/main" id="{9FC65A12-D8B3-4EFC-AF7A-DC8F0D3F23F5}"/>
+                </a:ext>
+              </a:extLst>
+            </p:cNvPr>
+            <p:cNvCxnSpPr>
+              <a:cxnSpLocks/>
+              <a:stCxn id="23" idx="4"/>
+            </p:cNvCxnSpPr>
+            <p:nvPr/>
+          </p:nvCxnSpPr>
+          <p:spPr>
+            <a:xfrm>
+              <a:off x="6554324" y="4881634"/>
+              <a:ext cx="0" cy="458476"/>
+            </a:xfrm>
+            <a:prstGeom prst="line">
+              <a:avLst/>
+            </a:prstGeom>
+            <a:ln w="57150">
+              <a:solidFill>
+                <a:schemeClr val="accent2">
+                  <a:lumMod val="75000"/>
+                </a:schemeClr>
+              </a:solidFill>
+            </a:ln>
+          </p:spPr>
+          <p:style>
+            <a:lnRef idx="1">
+              <a:schemeClr val="accent1"/>
+            </a:lnRef>
+            <a:fillRef idx="0">
+              <a:schemeClr val="accent1"/>
+            </a:fillRef>
+            <a:effectRef idx="0">
+              <a:schemeClr val="accent1"/>
+            </a:effectRef>
+            <a:fontRef idx="minor">
+              <a:schemeClr val="tx1"/>
+            </a:fontRef>
+          </p:style>
+        </p:cxnSp>
+        <p:cxnSp>
+          <p:nvCxnSpPr>
+            <p:cNvPr id="41" name="Straight Connector 40">
+              <a:extLst>
+                <a:ext uri="{FF2B5EF4-FFF2-40B4-BE49-F238E27FC236}">
+                  <a16:creationId xmlns:a16="http://schemas.microsoft.com/office/drawing/2014/main" id="{E0DCEF47-D5B9-4D81-B66B-B297F3351B67}"/>
+                </a:ext>
+              </a:extLst>
+            </p:cNvPr>
+            <p:cNvCxnSpPr>
+              <a:cxnSpLocks/>
+              <a:stCxn id="24" idx="4"/>
+              <a:endCxn id="23" idx="0"/>
+            </p:cNvCxnSpPr>
+            <p:nvPr/>
+          </p:nvCxnSpPr>
+          <p:spPr>
+            <a:xfrm>
+              <a:off x="6554324" y="4281058"/>
+              <a:ext cx="0" cy="172190"/>
+            </a:xfrm>
+            <a:prstGeom prst="line">
+              <a:avLst/>
+            </a:prstGeom>
+            <a:ln w="57150">
+              <a:solidFill>
+                <a:schemeClr val="accent2">
+                  <a:lumMod val="75000"/>
+                </a:schemeClr>
+              </a:solidFill>
+            </a:ln>
+          </p:spPr>
+          <p:style>
+            <a:lnRef idx="1">
+              <a:schemeClr val="accent1"/>
+            </a:lnRef>
+            <a:fillRef idx="0">
+              <a:schemeClr val="accent1"/>
+            </a:fillRef>
+            <a:effectRef idx="0">
+              <a:schemeClr val="accent1"/>
+            </a:effectRef>
+            <a:fontRef idx="minor">
+              <a:schemeClr val="tx1"/>
+            </a:fontRef>
+          </p:style>
+        </p:cxnSp>
+        <p:cxnSp>
+          <p:nvCxnSpPr>
+            <p:cNvPr id="46" name="Straight Connector 45">
+              <a:extLst>
+                <a:ext uri="{FF2B5EF4-FFF2-40B4-BE49-F238E27FC236}">
+                  <a16:creationId xmlns:a16="http://schemas.microsoft.com/office/drawing/2014/main" id="{4E73B0F0-62FB-49B4-ABF9-A13AF8EBD07F}"/>
+                </a:ext>
+              </a:extLst>
+            </p:cNvPr>
+            <p:cNvCxnSpPr>
+              <a:cxnSpLocks/>
+              <a:stCxn id="25" idx="4"/>
+              <a:endCxn id="24" idx="0"/>
+            </p:cNvCxnSpPr>
+            <p:nvPr/>
+          </p:nvCxnSpPr>
+          <p:spPr>
+            <a:xfrm>
+              <a:off x="6554324" y="3680482"/>
+              <a:ext cx="0" cy="172190"/>
+            </a:xfrm>
+            <a:prstGeom prst="line">
+              <a:avLst/>
+            </a:prstGeom>
+            <a:ln w="57150">
+              <a:solidFill>
+                <a:schemeClr val="accent2">
+                  <a:lumMod val="75000"/>
+                </a:schemeClr>
+              </a:solidFill>
+            </a:ln>
+          </p:spPr>
+          <p:style>
+            <a:lnRef idx="1">
+              <a:schemeClr val="accent1"/>
+            </a:lnRef>
+            <a:fillRef idx="0">
+              <a:schemeClr val="accent1"/>
+            </a:fillRef>
+            <a:effectRef idx="0">
+              <a:schemeClr val="accent1"/>
+            </a:effectRef>
+            <a:fontRef idx="minor">
+              <a:schemeClr val="tx1"/>
+            </a:fontRef>
+          </p:style>
+        </p:cxnSp>
+        <p:cxnSp>
+          <p:nvCxnSpPr>
+            <p:cNvPr id="49" name="Straight Connector 48">
+              <a:extLst>
+                <a:ext uri="{FF2B5EF4-FFF2-40B4-BE49-F238E27FC236}">
+                  <a16:creationId xmlns:a16="http://schemas.microsoft.com/office/drawing/2014/main" id="{D3AD0230-C8E9-47DA-B46F-453F28111268}"/>
+                </a:ext>
+              </a:extLst>
+            </p:cNvPr>
+            <p:cNvCxnSpPr>
+              <a:cxnSpLocks/>
+              <a:stCxn id="32" idx="4"/>
+              <a:endCxn id="25" idx="0"/>
+            </p:cNvCxnSpPr>
+            <p:nvPr/>
+          </p:nvCxnSpPr>
+          <p:spPr>
+            <a:xfrm>
+              <a:off x="6554324" y="3093678"/>
+              <a:ext cx="0" cy="158418"/>
+            </a:xfrm>
+            <a:prstGeom prst="line">
+              <a:avLst/>
+            </a:prstGeom>
+            <a:ln w="57150">
+              <a:solidFill>
+                <a:schemeClr val="accent2">
+                  <a:lumMod val="75000"/>
+                </a:schemeClr>
+              </a:solidFill>
+            </a:ln>
+          </p:spPr>
+          <p:style>
+            <a:lnRef idx="1">
+              <a:schemeClr val="accent1"/>
+            </a:lnRef>
+            <a:fillRef idx="0">
+              <a:schemeClr val="accent1"/>
+            </a:fillRef>
+            <a:effectRef idx="0">
+              <a:schemeClr val="accent1"/>
+            </a:effectRef>
+            <a:fontRef idx="minor">
+              <a:schemeClr val="tx1"/>
+            </a:fontRef>
+          </p:style>
+        </p:cxnSp>
+        <p:cxnSp>
+          <p:nvCxnSpPr>
+            <p:cNvPr id="52" name="Straight Connector 51">
+              <a:extLst>
+                <a:ext uri="{FF2B5EF4-FFF2-40B4-BE49-F238E27FC236}">
+                  <a16:creationId xmlns:a16="http://schemas.microsoft.com/office/drawing/2014/main" id="{6DF48C64-ABF9-405F-8837-2A5DF5B587E5}"/>
+                </a:ext>
+              </a:extLst>
+            </p:cNvPr>
+            <p:cNvCxnSpPr>
+              <a:cxnSpLocks/>
+              <a:stCxn id="33" idx="4"/>
+              <a:endCxn id="32" idx="0"/>
+            </p:cNvCxnSpPr>
+            <p:nvPr/>
+          </p:nvCxnSpPr>
+          <p:spPr>
+            <a:xfrm>
+              <a:off x="6554324" y="2524971"/>
+              <a:ext cx="0" cy="140321"/>
+            </a:xfrm>
+            <a:prstGeom prst="line">
+              <a:avLst/>
+            </a:prstGeom>
+            <a:ln w="57150">
+              <a:solidFill>
+                <a:schemeClr val="accent2">
+                  <a:lumMod val="75000"/>
+                </a:schemeClr>
+              </a:solidFill>
+            </a:ln>
+          </p:spPr>
+          <p:style>
+            <a:lnRef idx="1">
+              <a:schemeClr val="accent1"/>
+            </a:lnRef>
+            <a:fillRef idx="0">
+              <a:schemeClr val="accent1"/>
+            </a:fillRef>
+            <a:effectRef idx="0">
+              <a:schemeClr val="accent1"/>
+            </a:effectRef>
+            <a:fontRef idx="minor">
+              <a:schemeClr val="tx1"/>
+            </a:fontRef>
+          </p:style>
+        </p:cxnSp>
+        <p:cxnSp>
+          <p:nvCxnSpPr>
+            <p:cNvPr id="55" name="Straight Connector 54">
+              <a:extLst>
+                <a:ext uri="{FF2B5EF4-FFF2-40B4-BE49-F238E27FC236}">
+                  <a16:creationId xmlns:a16="http://schemas.microsoft.com/office/drawing/2014/main" id="{92F5EABD-4512-4059-84DA-BFB3056DFE6F}"/>
+                </a:ext>
+              </a:extLst>
+            </p:cNvPr>
+            <p:cNvCxnSpPr>
+              <a:cxnSpLocks/>
+              <a:stCxn id="34" idx="4"/>
+              <a:endCxn id="33" idx="0"/>
+            </p:cNvCxnSpPr>
+            <p:nvPr/>
+          </p:nvCxnSpPr>
+          <p:spPr>
+            <a:xfrm>
+              <a:off x="6554324" y="1946276"/>
+              <a:ext cx="0" cy="150309"/>
+            </a:xfrm>
+            <a:prstGeom prst="line">
+              <a:avLst/>
+            </a:prstGeom>
+            <a:ln w="57150">
+              <a:solidFill>
+                <a:schemeClr val="accent2">
+                  <a:lumMod val="75000"/>
+                </a:schemeClr>
+              </a:solidFill>
+            </a:ln>
+          </p:spPr>
+          <p:style>
+            <a:lnRef idx="1">
+              <a:schemeClr val="accent1"/>
+            </a:lnRef>
+            <a:fillRef idx="0">
+              <a:schemeClr val="accent1"/>
+            </a:fillRef>
+            <a:effectRef idx="0">
+              <a:schemeClr val="accent1"/>
+            </a:effectRef>
+            <a:fontRef idx="minor">
+              <a:schemeClr val="tx1"/>
+            </a:fontRef>
+          </p:style>
+        </p:cxnSp>
+        <p:cxnSp>
+          <p:nvCxnSpPr>
+            <p:cNvPr id="58" name="Straight Connector 57">
+              <a:extLst>
+                <a:ext uri="{FF2B5EF4-FFF2-40B4-BE49-F238E27FC236}">
+                  <a16:creationId xmlns:a16="http://schemas.microsoft.com/office/drawing/2014/main" id="{C1CD111B-158B-4012-B9F0-0BE5D0D8F6AE}"/>
+                </a:ext>
+              </a:extLst>
+            </p:cNvPr>
+            <p:cNvCxnSpPr>
+              <a:cxnSpLocks/>
+              <a:stCxn id="35" idx="4"/>
+              <a:endCxn id="27" idx="0"/>
+            </p:cNvCxnSpPr>
+            <p:nvPr/>
+          </p:nvCxnSpPr>
+          <p:spPr>
+            <a:xfrm>
+              <a:off x="9222921" y="3125079"/>
+              <a:ext cx="0" cy="148430"/>
+            </a:xfrm>
+            <a:prstGeom prst="line">
+              <a:avLst/>
+            </a:prstGeom>
+            <a:ln w="57150">
+              <a:solidFill>
+                <a:schemeClr val="accent2">
+                  <a:lumMod val="75000"/>
+                </a:schemeClr>
+              </a:solidFill>
+            </a:ln>
+          </p:spPr>
+          <p:style>
+            <a:lnRef idx="1">
+              <a:schemeClr val="accent1"/>
+            </a:lnRef>
+            <a:fillRef idx="0">
+              <a:schemeClr val="accent1"/>
+            </a:fillRef>
+            <a:effectRef idx="0">
+              <a:schemeClr val="accent1"/>
+            </a:effectRef>
+            <a:fontRef idx="minor">
+              <a:schemeClr val="tx1"/>
+            </a:fontRef>
+          </p:style>
+        </p:cxnSp>
+        <p:cxnSp>
+          <p:nvCxnSpPr>
+            <p:cNvPr id="61" name="Straight Connector 60">
+              <a:extLst>
+                <a:ext uri="{FF2B5EF4-FFF2-40B4-BE49-F238E27FC236}">
+                  <a16:creationId xmlns:a16="http://schemas.microsoft.com/office/drawing/2014/main" id="{E96C271F-DCBF-4828-B29A-9F4DD6E87B30}"/>
+                </a:ext>
+              </a:extLst>
+            </p:cNvPr>
+            <p:cNvCxnSpPr>
+              <a:cxnSpLocks/>
+              <a:stCxn id="36" idx="4"/>
+              <a:endCxn id="35" idx="0"/>
+            </p:cNvCxnSpPr>
+            <p:nvPr/>
+          </p:nvCxnSpPr>
+          <p:spPr>
+            <a:xfrm>
+              <a:off x="9222921" y="2546384"/>
+              <a:ext cx="0" cy="150309"/>
+            </a:xfrm>
+            <a:prstGeom prst="line">
+              <a:avLst/>
+            </a:prstGeom>
+            <a:ln w="57150">
+              <a:solidFill>
+                <a:schemeClr val="accent2">
+                  <a:lumMod val="75000"/>
+                </a:schemeClr>
+              </a:solidFill>
+            </a:ln>
+          </p:spPr>
+          <p:style>
+            <a:lnRef idx="1">
+              <a:schemeClr val="accent1"/>
+            </a:lnRef>
+            <a:fillRef idx="0">
+              <a:schemeClr val="accent1"/>
+            </a:fillRef>
+            <a:effectRef idx="0">
+              <a:schemeClr val="accent1"/>
+            </a:effectRef>
+            <a:fontRef idx="minor">
+              <a:schemeClr val="tx1"/>
+            </a:fontRef>
+          </p:style>
+        </p:cxnSp>
+        <p:cxnSp>
+          <p:nvCxnSpPr>
+            <p:cNvPr id="64" name="Straight Connector 63">
+              <a:extLst>
+                <a:ext uri="{FF2B5EF4-FFF2-40B4-BE49-F238E27FC236}">
+                  <a16:creationId xmlns:a16="http://schemas.microsoft.com/office/drawing/2014/main" id="{29A6FD47-3088-4745-AF68-749BFE2B0292}"/>
+                </a:ext>
+              </a:extLst>
+            </p:cNvPr>
+            <p:cNvCxnSpPr>
+              <a:cxnSpLocks/>
+              <a:stCxn id="37" idx="4"/>
+              <a:endCxn id="36" idx="0"/>
+            </p:cNvCxnSpPr>
+            <p:nvPr/>
+          </p:nvCxnSpPr>
+          <p:spPr>
+            <a:xfrm>
+              <a:off x="9222921" y="1967689"/>
+              <a:ext cx="0" cy="150309"/>
+            </a:xfrm>
+            <a:prstGeom prst="line">
+              <a:avLst/>
+            </a:prstGeom>
+            <a:ln w="57150">
+              <a:solidFill>
+                <a:schemeClr val="accent2">
+                  <a:lumMod val="75000"/>
+                </a:schemeClr>
+              </a:solidFill>
+            </a:ln>
+          </p:spPr>
+          <p:style>
+            <a:lnRef idx="1">
+              <a:schemeClr val="accent1"/>
+            </a:lnRef>
+            <a:fillRef idx="0">
+              <a:schemeClr val="accent1"/>
+            </a:fillRef>
+            <a:effectRef idx="0">
+              <a:schemeClr val="accent1"/>
+            </a:effectRef>
+            <a:fontRef idx="minor">
+              <a:schemeClr val="tx1"/>
+            </a:fontRef>
+          </p:style>
+        </p:cxnSp>
+        <p:cxnSp>
+          <p:nvCxnSpPr>
+            <p:cNvPr id="68" name="Straight Connector 67">
+              <a:extLst>
+                <a:ext uri="{FF2B5EF4-FFF2-40B4-BE49-F238E27FC236}">
+                  <a16:creationId xmlns:a16="http://schemas.microsoft.com/office/drawing/2014/main" id="{73EAE915-581E-417E-9330-900BB094FB7C}"/>
+                </a:ext>
+              </a:extLst>
+            </p:cNvPr>
+            <p:cNvCxnSpPr>
+              <a:cxnSpLocks/>
+              <a:stCxn id="30" idx="4"/>
+              <a:endCxn id="26" idx="0"/>
+            </p:cNvCxnSpPr>
+            <p:nvPr/>
+          </p:nvCxnSpPr>
+          <p:spPr>
+            <a:xfrm>
+              <a:off x="3885728" y="3109279"/>
+              <a:ext cx="0" cy="148436"/>
+            </a:xfrm>
+            <a:prstGeom prst="line">
+              <a:avLst/>
+            </a:prstGeom>
+            <a:ln w="57150">
+              <a:solidFill>
+                <a:schemeClr val="accent2">
+                  <a:lumMod val="75000"/>
+                </a:schemeClr>
+              </a:solidFill>
+            </a:ln>
+          </p:spPr>
+          <p:style>
+            <a:lnRef idx="1">
+              <a:schemeClr val="accent1"/>
+            </a:lnRef>
+            <a:fillRef idx="0">
+              <a:schemeClr val="accent1"/>
+            </a:fillRef>
+            <a:effectRef idx="0">
+              <a:schemeClr val="accent1"/>
+            </a:effectRef>
+            <a:fontRef idx="minor">
+              <a:schemeClr val="tx1"/>
+            </a:fontRef>
+          </p:style>
+        </p:cxnSp>
+        <p:cxnSp>
+          <p:nvCxnSpPr>
+            <p:cNvPr id="71" name="Straight Connector 70">
+              <a:extLst>
+                <a:ext uri="{FF2B5EF4-FFF2-40B4-BE49-F238E27FC236}">
+                  <a16:creationId xmlns:a16="http://schemas.microsoft.com/office/drawing/2014/main" id="{BD8F4740-6237-4FDB-A3EA-9F7302E8966F}"/>
+                </a:ext>
+              </a:extLst>
+            </p:cNvPr>
+            <p:cNvCxnSpPr>
+              <a:cxnSpLocks/>
+              <a:stCxn id="26" idx="4"/>
+              <a:endCxn id="24" idx="0"/>
+            </p:cNvCxnSpPr>
+            <p:nvPr/>
+          </p:nvCxnSpPr>
+          <p:spPr>
+            <a:xfrm>
+              <a:off x="3885728" y="3686101"/>
+              <a:ext cx="2668596" cy="166571"/>
+            </a:xfrm>
+            <a:prstGeom prst="line">
+              <a:avLst/>
+            </a:prstGeom>
+            <a:ln w="57150">
+              <a:solidFill>
+                <a:schemeClr val="accent2">
+                  <a:lumMod val="75000"/>
+                </a:schemeClr>
+              </a:solidFill>
+            </a:ln>
+          </p:spPr>
+          <p:style>
+            <a:lnRef idx="1">
+              <a:schemeClr val="accent1"/>
+            </a:lnRef>
+            <a:fillRef idx="0">
+              <a:schemeClr val="accent1"/>
+            </a:fillRef>
+            <a:effectRef idx="0">
+              <a:schemeClr val="accent1"/>
+            </a:effectRef>
+            <a:fontRef idx="minor">
+              <a:schemeClr val="tx1"/>
+            </a:fontRef>
+          </p:style>
+        </p:cxnSp>
+        <p:cxnSp>
+          <p:nvCxnSpPr>
+            <p:cNvPr id="74" name="Straight Connector 73">
+              <a:extLst>
+                <a:ext uri="{FF2B5EF4-FFF2-40B4-BE49-F238E27FC236}">
+                  <a16:creationId xmlns:a16="http://schemas.microsoft.com/office/drawing/2014/main" id="{7399F516-05C5-4CFF-9C83-CC5B9F733877}"/>
+                </a:ext>
+              </a:extLst>
+            </p:cNvPr>
+            <p:cNvCxnSpPr>
+              <a:cxnSpLocks/>
+              <a:stCxn id="27" idx="4"/>
+              <a:endCxn id="24" idx="0"/>
+            </p:cNvCxnSpPr>
+            <p:nvPr/>
+          </p:nvCxnSpPr>
+          <p:spPr>
+            <a:xfrm flipH="1">
+              <a:off x="6554324" y="3701895"/>
+              <a:ext cx="2668597" cy="150777"/>
+            </a:xfrm>
+            <a:prstGeom prst="line">
+              <a:avLst/>
+            </a:prstGeom>
+            <a:ln w="57150">
+              <a:solidFill>
+                <a:schemeClr val="accent2">
+                  <a:lumMod val="75000"/>
+                </a:schemeClr>
+              </a:solidFill>
+            </a:ln>
+          </p:spPr>
+          <p:style>
+            <a:lnRef idx="1">
+              <a:schemeClr val="accent1"/>
+            </a:lnRef>
+            <a:fillRef idx="0">
+              <a:schemeClr val="accent1"/>
+            </a:fillRef>
+            <a:effectRef idx="0">
+              <a:schemeClr val="accent1"/>
+            </a:effectRef>
+            <a:fontRef idx="minor">
+              <a:schemeClr val="tx1"/>
+            </a:fontRef>
+          </p:style>
+        </p:cxnSp>
+        <p:sp>
+          <p:nvSpPr>
+            <p:cNvPr id="86" name="Rectangle 85">
+              <a:extLst>
+                <a:ext uri="{FF2B5EF4-FFF2-40B4-BE49-F238E27FC236}">
+                  <a16:creationId xmlns:a16="http://schemas.microsoft.com/office/drawing/2014/main" id="{84277EF4-26AA-4FA9-8C4E-E2342C60895C}"/>
+                </a:ext>
+              </a:extLst>
+            </p:cNvPr>
+            <p:cNvSpPr/>
+            <p:nvPr/>
+          </p:nvSpPr>
+          <p:spPr>
+            <a:xfrm>
+              <a:off x="4987635" y="4499324"/>
+              <a:ext cx="567335" cy="336681"/>
+            </a:xfrm>
+            <a:prstGeom prst="rect">
+              <a:avLst/>
+            </a:prstGeom>
+            <a:noFill/>
+          </p:spPr>
+          <p:style>
+            <a:lnRef idx="2">
+              <a:schemeClr val="accent1"/>
+            </a:lnRef>
+            <a:fillRef idx="1">
+              <a:schemeClr val="lt1"/>
+            </a:fillRef>
+            <a:effectRef idx="0">
+              <a:schemeClr val="accent1"/>
+            </a:effectRef>
+            <a:fontRef idx="minor">
+              <a:schemeClr val="dk1"/>
+            </a:fontRef>
+          </p:style>
+          <p:txBody>
+            <a:bodyPr rtlCol="0" anchor="ctr"/>
+            <a:lstStyle/>
+            <a:p>
+              <a:pPr algn="ctr"/>
+              <a:endParaRPr lang="en-US"/>
+            </a:p>
+          </p:txBody>
+        </p:sp>
+        <p:sp>
+          <p:nvSpPr>
+            <p:cNvPr id="92" name="Rectangle 91">
+              <a:extLst>
+                <a:ext uri="{FF2B5EF4-FFF2-40B4-BE49-F238E27FC236}">
+                  <a16:creationId xmlns:a16="http://schemas.microsoft.com/office/drawing/2014/main" id="{86A30001-3FB8-497B-81A3-1B281683F33E}"/>
+                </a:ext>
+              </a:extLst>
+            </p:cNvPr>
+            <p:cNvSpPr/>
+            <p:nvPr/>
+          </p:nvSpPr>
+          <p:spPr>
+            <a:xfrm>
+              <a:off x="4987632" y="2713101"/>
+              <a:ext cx="567335" cy="336681"/>
+            </a:xfrm>
+            <a:prstGeom prst="rect">
+              <a:avLst/>
+            </a:prstGeom>
+            <a:noFill/>
+          </p:spPr>
+          <p:style>
+            <a:lnRef idx="2">
+              <a:schemeClr val="accent1"/>
+            </a:lnRef>
+            <a:fillRef idx="1">
+              <a:schemeClr val="lt1"/>
+            </a:fillRef>
+            <a:effectRef idx="0">
+              <a:schemeClr val="accent1"/>
+            </a:effectRef>
+            <a:fontRef idx="minor">
+              <a:schemeClr val="dk1"/>
+            </a:fontRef>
+          </p:style>
+          <p:txBody>
+            <a:bodyPr rtlCol="0" anchor="ctr"/>
+            <a:lstStyle/>
+            <a:p>
+              <a:pPr algn="ctr"/>
+              <a:endParaRPr lang="en-US"/>
+            </a:p>
+          </p:txBody>
+        </p:sp>
+        <p:sp>
+          <p:nvSpPr>
+            <p:cNvPr id="93" name="Rectangle 92">
+              <a:extLst>
+                <a:ext uri="{FF2B5EF4-FFF2-40B4-BE49-F238E27FC236}">
+                  <a16:creationId xmlns:a16="http://schemas.microsoft.com/office/drawing/2014/main" id="{DCF4A049-943E-41F3-8253-B83027865463}"/>
+                </a:ext>
+              </a:extLst>
+            </p:cNvPr>
+            <p:cNvSpPr/>
+            <p:nvPr/>
+          </p:nvSpPr>
+          <p:spPr>
+            <a:xfrm>
+              <a:off x="7656229" y="2741103"/>
+              <a:ext cx="567335" cy="336681"/>
+            </a:xfrm>
+            <a:prstGeom prst="rect">
+              <a:avLst/>
+            </a:prstGeom>
+            <a:noFill/>
+          </p:spPr>
+          <p:style>
+            <a:lnRef idx="2">
+              <a:schemeClr val="accent1"/>
+            </a:lnRef>
+            <a:fillRef idx="1">
+              <a:schemeClr val="lt1"/>
+            </a:fillRef>
+            <a:effectRef idx="0">
+              <a:schemeClr val="accent1"/>
+            </a:effectRef>
+            <a:fontRef idx="minor">
+              <a:schemeClr val="dk1"/>
+            </a:fontRef>
+          </p:style>
+          <p:txBody>
+            <a:bodyPr rtlCol="0" anchor="ctr"/>
+            <a:lstStyle/>
+            <a:p>
+              <a:pPr algn="ctr"/>
+              <a:endParaRPr lang="en-US"/>
+            </a:p>
+          </p:txBody>
+        </p:sp>
+        <p:sp>
+          <p:nvSpPr>
+            <p:cNvPr id="94" name="Rectangle 93">
+              <a:extLst>
+                <a:ext uri="{FF2B5EF4-FFF2-40B4-BE49-F238E27FC236}">
+                  <a16:creationId xmlns:a16="http://schemas.microsoft.com/office/drawing/2014/main" id="{6C461915-8179-446F-8CE2-24DD6D56252F}"/>
+                </a:ext>
+              </a:extLst>
+            </p:cNvPr>
+            <p:cNvSpPr/>
+            <p:nvPr/>
+          </p:nvSpPr>
+          <p:spPr>
+            <a:xfrm>
+              <a:off x="4987634" y="2142437"/>
+              <a:ext cx="567335" cy="336681"/>
+            </a:xfrm>
+            <a:prstGeom prst="rect">
+              <a:avLst/>
+            </a:prstGeom>
+            <a:solidFill>
+              <a:schemeClr val="accent5">
+                <a:lumMod val="40000"/>
+                <a:lumOff val="60000"/>
+              </a:schemeClr>
+            </a:solidFill>
+            <a:ln>
+              <a:noFill/>
+            </a:ln>
+          </p:spPr>
+          <p:style>
+            <a:lnRef idx="2">
+              <a:schemeClr val="accent1"/>
+            </a:lnRef>
+            <a:fillRef idx="1">
+              <a:schemeClr val="lt1"/>
+            </a:fillRef>
+            <a:effectRef idx="0">
+              <a:schemeClr val="accent1"/>
+            </a:effectRef>
+            <a:fontRef idx="minor">
+              <a:schemeClr val="dk1"/>
+            </a:fontRef>
+          </p:style>
+          <p:txBody>
+            <a:bodyPr rtlCol="0" anchor="ctr"/>
+            <a:lstStyle/>
+            <a:p>
+              <a:pPr algn="ctr"/>
+              <a:endParaRPr lang="en-US"/>
+            </a:p>
+          </p:txBody>
+        </p:sp>
+        <p:sp>
+          <p:nvSpPr>
+            <p:cNvPr id="95" name="Rectangle 94">
+              <a:extLst>
+                <a:ext uri="{FF2B5EF4-FFF2-40B4-BE49-F238E27FC236}">
+                  <a16:creationId xmlns:a16="http://schemas.microsoft.com/office/drawing/2014/main" id="{C1EB2E37-BB12-4C6C-8A5C-6873DFEFC012}"/>
+                </a:ext>
+              </a:extLst>
+            </p:cNvPr>
+            <p:cNvSpPr/>
+            <p:nvPr/>
+          </p:nvSpPr>
+          <p:spPr>
+            <a:xfrm>
+              <a:off x="7656229" y="2167799"/>
+              <a:ext cx="567335" cy="336681"/>
+            </a:xfrm>
+            <a:prstGeom prst="rect">
+              <a:avLst/>
+            </a:prstGeom>
+            <a:solidFill>
+              <a:schemeClr val="accent5">
+                <a:lumMod val="40000"/>
+                <a:lumOff val="60000"/>
+              </a:schemeClr>
+            </a:solidFill>
+            <a:ln>
+              <a:noFill/>
+            </a:ln>
+          </p:spPr>
+          <p:style>
+            <a:lnRef idx="2">
+              <a:schemeClr val="accent1"/>
+            </a:lnRef>
+            <a:fillRef idx="1">
+              <a:schemeClr val="lt1"/>
+            </a:fillRef>
+            <a:effectRef idx="0">
+              <a:schemeClr val="accent1"/>
+            </a:effectRef>
+            <a:fontRef idx="minor">
+              <a:schemeClr val="dk1"/>
+            </a:fontRef>
+          </p:style>
+          <p:txBody>
+            <a:bodyPr rtlCol="0" anchor="ctr"/>
+            <a:lstStyle/>
+            <a:p>
+              <a:pPr algn="ctr"/>
+              <a:endParaRPr lang="en-US"/>
+            </a:p>
+          </p:txBody>
+        </p:sp>
+        <p:sp>
+          <p:nvSpPr>
+            <p:cNvPr id="96" name="Rectangle 95">
+              <a:extLst>
+                <a:ext uri="{FF2B5EF4-FFF2-40B4-BE49-F238E27FC236}">
+                  <a16:creationId xmlns:a16="http://schemas.microsoft.com/office/drawing/2014/main" id="{5476B83D-3CA3-4C1C-8A2E-A79BA56C8FBD}"/>
+                </a:ext>
+              </a:extLst>
+            </p:cNvPr>
+            <p:cNvSpPr/>
+            <p:nvPr/>
+          </p:nvSpPr>
+          <p:spPr>
+            <a:xfrm>
+              <a:off x="3186635" y="2142436"/>
+              <a:ext cx="1398183" cy="336681"/>
+            </a:xfrm>
+            <a:prstGeom prst="rect">
+              <a:avLst/>
+            </a:prstGeom>
+            <a:noFill/>
+            <a:ln>
+              <a:solidFill>
+                <a:schemeClr val="tx1"/>
+              </a:solidFill>
+              <a:prstDash val="dash"/>
+            </a:ln>
+          </p:spPr>
+          <p:style>
+            <a:lnRef idx="2">
+              <a:schemeClr val="accent1"/>
+            </a:lnRef>
+            <a:fillRef idx="1">
+              <a:schemeClr val="lt1"/>
+            </a:fillRef>
+            <a:effectRef idx="0">
+              <a:schemeClr val="accent1"/>
+            </a:effectRef>
+            <a:fontRef idx="minor">
+              <a:schemeClr val="dk1"/>
+            </a:fontRef>
+          </p:style>
+          <p:txBody>
+            <a:bodyPr rtlCol="0" anchor="ctr"/>
+            <a:lstStyle/>
+            <a:p>
+              <a:pPr algn="ctr"/>
+              <a:r>
+                <a:rPr lang="en-US" dirty="0"/>
+                <a:t>Welcome …</a:t>
+              </a:r>
+            </a:p>
+          </p:txBody>
+        </p:sp>
+        <p:sp>
+          <p:nvSpPr>
+            <p:cNvPr id="97" name="Rectangle 96">
+              <a:extLst>
+                <a:ext uri="{FF2B5EF4-FFF2-40B4-BE49-F238E27FC236}">
+                  <a16:creationId xmlns:a16="http://schemas.microsoft.com/office/drawing/2014/main" id="{D1AA29ED-D4C5-4918-BA75-62B228927F9A}"/>
+                </a:ext>
+              </a:extLst>
+            </p:cNvPr>
+            <p:cNvSpPr/>
+            <p:nvPr/>
+          </p:nvSpPr>
+          <p:spPr>
+            <a:xfrm>
+              <a:off x="5850149" y="929583"/>
+              <a:ext cx="1398183" cy="336681"/>
+            </a:xfrm>
+            <a:prstGeom prst="rect">
+              <a:avLst/>
+            </a:prstGeom>
+            <a:noFill/>
+            <a:ln>
+              <a:solidFill>
+                <a:schemeClr val="tx1"/>
+              </a:solidFill>
+              <a:prstDash val="dash"/>
+            </a:ln>
+          </p:spPr>
+          <p:style>
+            <a:lnRef idx="2">
+              <a:schemeClr val="accent1"/>
+            </a:lnRef>
+            <a:fillRef idx="1">
+              <a:schemeClr val="lt1"/>
+            </a:fillRef>
+            <a:effectRef idx="0">
+              <a:schemeClr val="accent1"/>
+            </a:effectRef>
+            <a:fontRef idx="minor">
+              <a:schemeClr val="dk1"/>
+            </a:fontRef>
+          </p:style>
+          <p:txBody>
+            <a:bodyPr rtlCol="0" anchor="ctr"/>
+            <a:lstStyle/>
+            <a:p>
+              <a:pPr algn="ctr"/>
+              <a:r>
+                <a:rPr lang="en-US" dirty="0"/>
+                <a:t>OK</a:t>
+              </a:r>
+            </a:p>
+          </p:txBody>
+        </p:sp>
+        <p:sp>
+          <p:nvSpPr>
+            <p:cNvPr id="98" name="Rectangle 97">
+              <a:extLst>
+                <a:ext uri="{FF2B5EF4-FFF2-40B4-BE49-F238E27FC236}">
+                  <a16:creationId xmlns:a16="http://schemas.microsoft.com/office/drawing/2014/main" id="{E781E71F-7F69-4036-A5E7-80FC37A12CD2}"/>
+                </a:ext>
+              </a:extLst>
+            </p:cNvPr>
+            <p:cNvSpPr/>
+            <p:nvPr/>
+          </p:nvSpPr>
+          <p:spPr>
+            <a:xfrm>
+              <a:off x="8523829" y="942576"/>
+              <a:ext cx="1398183" cy="336681"/>
+            </a:xfrm>
+            <a:prstGeom prst="rect">
+              <a:avLst/>
+            </a:prstGeom>
+            <a:noFill/>
+            <a:ln>
+              <a:solidFill>
+                <a:schemeClr val="tx1"/>
+              </a:solidFill>
+              <a:prstDash val="dash"/>
+            </a:ln>
+          </p:spPr>
+          <p:style>
+            <a:lnRef idx="2">
+              <a:schemeClr val="accent1"/>
+            </a:lnRef>
+            <a:fillRef idx="1">
+              <a:schemeClr val="lt1"/>
+            </a:fillRef>
+            <a:effectRef idx="0">
+              <a:schemeClr val="accent1"/>
+            </a:effectRef>
+            <a:fontRef idx="minor">
+              <a:schemeClr val="dk1"/>
+            </a:fontRef>
+          </p:style>
+          <p:txBody>
+            <a:bodyPr rtlCol="0" anchor="ctr"/>
+            <a:lstStyle/>
+            <a:p>
+              <a:pPr algn="ctr"/>
+              <a:r>
+                <a:rPr lang="en-US" dirty="0"/>
+                <a:t>Cancel</a:t>
+              </a:r>
+            </a:p>
+          </p:txBody>
+        </p:sp>
+        <p:cxnSp>
+          <p:nvCxnSpPr>
+            <p:cNvPr id="100" name="Straight Arrow Connector 99">
+              <a:extLst>
+                <a:ext uri="{FF2B5EF4-FFF2-40B4-BE49-F238E27FC236}">
+                  <a16:creationId xmlns:a16="http://schemas.microsoft.com/office/drawing/2014/main" id="{6D3C9CEE-62F4-4F5A-83D5-63A1740BD4A2}"/>
+                </a:ext>
+              </a:extLst>
+            </p:cNvPr>
+            <p:cNvCxnSpPr>
+              <a:stCxn id="30" idx="0"/>
+              <a:endCxn id="96" idx="2"/>
+            </p:cNvCxnSpPr>
+            <p:nvPr/>
+          </p:nvCxnSpPr>
+          <p:spPr>
+            <a:xfrm flipH="1" flipV="1">
+              <a:off x="3885727" y="2479117"/>
+              <a:ext cx="1" cy="201776"/>
+            </a:xfrm>
+            <a:prstGeom prst="straightConnector1">
+              <a:avLst/>
+            </a:prstGeom>
+            <a:ln w="28575">
+              <a:solidFill>
+                <a:srgbClr val="00B0F0"/>
+              </a:solidFill>
+              <a:tailEnd type="triangle"/>
+            </a:ln>
+          </p:spPr>
+          <p:style>
+            <a:lnRef idx="1">
+              <a:schemeClr val="accent1"/>
+            </a:lnRef>
+            <a:fillRef idx="0">
+              <a:schemeClr val="accent1"/>
+            </a:fillRef>
+            <a:effectRef idx="0">
+              <a:schemeClr val="accent1"/>
+            </a:effectRef>
+            <a:fontRef idx="minor">
+              <a:schemeClr val="tx1"/>
+            </a:fontRef>
+          </p:style>
+        </p:cxnSp>
+        <p:cxnSp>
+          <p:nvCxnSpPr>
+            <p:cNvPr id="101" name="Straight Arrow Connector 100">
+              <a:extLst>
+                <a:ext uri="{FF2B5EF4-FFF2-40B4-BE49-F238E27FC236}">
+                  <a16:creationId xmlns:a16="http://schemas.microsoft.com/office/drawing/2014/main" id="{3102DC00-0697-49E1-8443-4C80FC4412B6}"/>
+                </a:ext>
+              </a:extLst>
+            </p:cNvPr>
+            <p:cNvCxnSpPr>
+              <a:cxnSpLocks/>
+              <a:stCxn id="23" idx="2"/>
+              <a:endCxn id="86" idx="3"/>
+            </p:cNvCxnSpPr>
+            <p:nvPr/>
+          </p:nvCxnSpPr>
+          <p:spPr>
+            <a:xfrm flipH="1">
+              <a:off x="5554970" y="4667441"/>
+              <a:ext cx="273856" cy="224"/>
+            </a:xfrm>
+            <a:prstGeom prst="straightConnector1">
+              <a:avLst/>
+            </a:prstGeom>
+            <a:ln w="28575">
+              <a:solidFill>
+                <a:srgbClr val="00B0F0"/>
+              </a:solidFill>
+              <a:tailEnd type="triangle"/>
+            </a:ln>
+          </p:spPr>
+          <p:style>
+            <a:lnRef idx="1">
+              <a:schemeClr val="accent1"/>
+            </a:lnRef>
+            <a:fillRef idx="0">
+              <a:schemeClr val="accent1"/>
+            </a:fillRef>
+            <a:effectRef idx="0">
+              <a:schemeClr val="accent1"/>
+            </a:effectRef>
+            <a:fontRef idx="minor">
+              <a:schemeClr val="tx1"/>
+            </a:fontRef>
+          </p:style>
+        </p:cxnSp>
+        <p:cxnSp>
+          <p:nvCxnSpPr>
+            <p:cNvPr id="104" name="Straight Arrow Connector 103">
+              <a:extLst>
+                <a:ext uri="{FF2B5EF4-FFF2-40B4-BE49-F238E27FC236}">
+                  <a16:creationId xmlns:a16="http://schemas.microsoft.com/office/drawing/2014/main" id="{F836FD93-9C16-4664-8646-127CD8DFDC00}"/>
+                </a:ext>
+              </a:extLst>
+            </p:cNvPr>
+            <p:cNvCxnSpPr>
+              <a:cxnSpLocks/>
+              <a:stCxn id="32" idx="2"/>
+              <a:endCxn id="92" idx="3"/>
+            </p:cNvCxnSpPr>
+            <p:nvPr/>
+          </p:nvCxnSpPr>
+          <p:spPr>
+            <a:xfrm flipH="1">
+              <a:off x="5554967" y="2879485"/>
+              <a:ext cx="273859" cy="1957"/>
+            </a:xfrm>
+            <a:prstGeom prst="straightConnector1">
+              <a:avLst/>
+            </a:prstGeom>
+            <a:ln w="28575">
+              <a:solidFill>
+                <a:srgbClr val="00B0F0"/>
+              </a:solidFill>
+              <a:tailEnd type="triangle"/>
+            </a:ln>
+          </p:spPr>
+          <p:style>
+            <a:lnRef idx="1">
+              <a:schemeClr val="accent1"/>
+            </a:lnRef>
+            <a:fillRef idx="0">
+              <a:schemeClr val="accent1"/>
+            </a:fillRef>
+            <a:effectRef idx="0">
+              <a:schemeClr val="accent1"/>
+            </a:effectRef>
+            <a:fontRef idx="minor">
+              <a:schemeClr val="tx1"/>
+            </a:fontRef>
+          </p:style>
+        </p:cxnSp>
+        <p:cxnSp>
+          <p:nvCxnSpPr>
+            <p:cNvPr id="108" name="Straight Arrow Connector 107">
+              <a:extLst>
+                <a:ext uri="{FF2B5EF4-FFF2-40B4-BE49-F238E27FC236}">
+                  <a16:creationId xmlns:a16="http://schemas.microsoft.com/office/drawing/2014/main" id="{32C7E0A5-950C-4294-81AA-130380385780}"/>
+                </a:ext>
+              </a:extLst>
+            </p:cNvPr>
+            <p:cNvCxnSpPr>
+              <a:cxnSpLocks/>
+              <a:stCxn id="35" idx="2"/>
+              <a:endCxn id="93" idx="3"/>
+            </p:cNvCxnSpPr>
+            <p:nvPr/>
+          </p:nvCxnSpPr>
+          <p:spPr>
+            <a:xfrm flipH="1" flipV="1">
+              <a:off x="8223564" y="2909444"/>
+              <a:ext cx="273859" cy="1442"/>
+            </a:xfrm>
+            <a:prstGeom prst="straightConnector1">
+              <a:avLst/>
+            </a:prstGeom>
+            <a:ln w="28575">
+              <a:solidFill>
+                <a:srgbClr val="00B0F0"/>
+              </a:solidFill>
+              <a:tailEnd type="triangle"/>
+            </a:ln>
+          </p:spPr>
+          <p:style>
+            <a:lnRef idx="1">
+              <a:schemeClr val="accent1"/>
+            </a:lnRef>
+            <a:fillRef idx="0">
+              <a:schemeClr val="accent1"/>
+            </a:fillRef>
+            <a:effectRef idx="0">
+              <a:schemeClr val="accent1"/>
+            </a:effectRef>
+            <a:fontRef idx="minor">
+              <a:schemeClr val="tx1"/>
+            </a:fontRef>
+          </p:style>
+        </p:cxnSp>
+        <p:cxnSp>
+          <p:nvCxnSpPr>
+            <p:cNvPr id="112" name="Straight Arrow Connector 111">
+              <a:extLst>
+                <a:ext uri="{FF2B5EF4-FFF2-40B4-BE49-F238E27FC236}">
+                  <a16:creationId xmlns:a16="http://schemas.microsoft.com/office/drawing/2014/main" id="{AAD2F8A1-4A14-4457-9655-017D09223C82}"/>
+                </a:ext>
+              </a:extLst>
+            </p:cNvPr>
+            <p:cNvCxnSpPr>
+              <a:cxnSpLocks/>
+              <a:stCxn id="36" idx="2"/>
+              <a:endCxn id="95" idx="3"/>
+            </p:cNvCxnSpPr>
+            <p:nvPr/>
+          </p:nvCxnSpPr>
+          <p:spPr>
+            <a:xfrm flipH="1">
+              <a:off x="8223564" y="2332191"/>
+              <a:ext cx="273859" cy="3949"/>
+            </a:xfrm>
+            <a:prstGeom prst="straightConnector1">
+              <a:avLst/>
+            </a:prstGeom>
+            <a:ln w="28575">
+              <a:solidFill>
+                <a:srgbClr val="00B0F0"/>
+              </a:solidFill>
+              <a:tailEnd type="triangle"/>
+            </a:ln>
+          </p:spPr>
+          <p:style>
+            <a:lnRef idx="1">
+              <a:schemeClr val="accent1"/>
+            </a:lnRef>
+            <a:fillRef idx="0">
+              <a:schemeClr val="accent1"/>
+            </a:fillRef>
+            <a:effectRef idx="0">
+              <a:schemeClr val="accent1"/>
+            </a:effectRef>
+            <a:fontRef idx="minor">
+              <a:schemeClr val="tx1"/>
+            </a:fontRef>
+          </p:style>
+        </p:cxnSp>
+        <p:cxnSp>
+          <p:nvCxnSpPr>
+            <p:cNvPr id="116" name="Straight Arrow Connector 115">
+              <a:extLst>
+                <a:ext uri="{FF2B5EF4-FFF2-40B4-BE49-F238E27FC236}">
+                  <a16:creationId xmlns:a16="http://schemas.microsoft.com/office/drawing/2014/main" id="{9E37FAAB-2B34-4ECC-8FE2-BBD4C0464CDA}"/>
+                </a:ext>
+              </a:extLst>
+            </p:cNvPr>
+            <p:cNvCxnSpPr>
+              <a:cxnSpLocks/>
+              <a:stCxn id="33" idx="2"/>
+              <a:endCxn id="94" idx="3"/>
+            </p:cNvCxnSpPr>
+            <p:nvPr/>
+          </p:nvCxnSpPr>
+          <p:spPr>
+            <a:xfrm flipH="1">
+              <a:off x="5554969" y="2310778"/>
+              <a:ext cx="273857" cy="0"/>
+            </a:xfrm>
+            <a:prstGeom prst="straightConnector1">
+              <a:avLst/>
+            </a:prstGeom>
+            <a:ln w="28575">
+              <a:solidFill>
+                <a:srgbClr val="00B0F0"/>
+              </a:solidFill>
+              <a:tailEnd type="triangle"/>
+            </a:ln>
+          </p:spPr>
+          <p:style>
+            <a:lnRef idx="1">
+              <a:schemeClr val="accent1"/>
+            </a:lnRef>
+            <a:fillRef idx="0">
+              <a:schemeClr val="accent1"/>
+            </a:fillRef>
+            <a:effectRef idx="0">
+              <a:schemeClr val="accent1"/>
+            </a:effectRef>
+            <a:fontRef idx="minor">
+              <a:schemeClr val="tx1"/>
+            </a:fontRef>
+          </p:style>
+        </p:cxnSp>
+        <p:cxnSp>
+          <p:nvCxnSpPr>
+            <p:cNvPr id="119" name="Straight Arrow Connector 118">
+              <a:extLst>
+                <a:ext uri="{FF2B5EF4-FFF2-40B4-BE49-F238E27FC236}">
+                  <a16:creationId xmlns:a16="http://schemas.microsoft.com/office/drawing/2014/main" id="{2DE11502-8DE0-467F-928A-D3D9162F9F23}"/>
+                </a:ext>
+              </a:extLst>
+            </p:cNvPr>
+            <p:cNvCxnSpPr>
+              <a:cxnSpLocks/>
+              <a:stCxn id="34" idx="0"/>
+              <a:endCxn id="97" idx="2"/>
+            </p:cNvCxnSpPr>
+            <p:nvPr/>
+          </p:nvCxnSpPr>
+          <p:spPr>
+            <a:xfrm flipH="1" flipV="1">
+              <a:off x="6549241" y="1266264"/>
+              <a:ext cx="5083" cy="251626"/>
+            </a:xfrm>
+            <a:prstGeom prst="straightConnector1">
+              <a:avLst/>
+            </a:prstGeom>
+            <a:ln w="28575">
+              <a:solidFill>
+                <a:srgbClr val="00B0F0"/>
+              </a:solidFill>
+              <a:tailEnd type="triangle"/>
+            </a:ln>
+          </p:spPr>
+          <p:style>
+            <a:lnRef idx="1">
+              <a:schemeClr val="accent1"/>
+            </a:lnRef>
+            <a:fillRef idx="0">
+              <a:schemeClr val="accent1"/>
+            </a:fillRef>
+            <a:effectRef idx="0">
+              <a:schemeClr val="accent1"/>
+            </a:effectRef>
+            <a:fontRef idx="minor">
+              <a:schemeClr val="tx1"/>
+            </a:fontRef>
+          </p:style>
+        </p:cxnSp>
+        <p:cxnSp>
+          <p:nvCxnSpPr>
+            <p:cNvPr id="123" name="Straight Arrow Connector 122">
+              <a:extLst>
+                <a:ext uri="{FF2B5EF4-FFF2-40B4-BE49-F238E27FC236}">
+                  <a16:creationId xmlns:a16="http://schemas.microsoft.com/office/drawing/2014/main" id="{30ECD40A-2633-4FE5-A57A-D21A9F0ED3AD}"/>
+                </a:ext>
+              </a:extLst>
+            </p:cNvPr>
+            <p:cNvCxnSpPr>
+              <a:cxnSpLocks/>
+              <a:stCxn id="37" idx="0"/>
+              <a:endCxn id="98" idx="2"/>
+            </p:cNvCxnSpPr>
+            <p:nvPr/>
+          </p:nvCxnSpPr>
+          <p:spPr>
+            <a:xfrm flipV="1">
+              <a:off x="9222921" y="1279257"/>
+              <a:ext cx="0" cy="260046"/>
+            </a:xfrm>
+            <a:prstGeom prst="straightConnector1">
+              <a:avLst/>
+            </a:prstGeom>
+            <a:ln w="28575">
+              <a:solidFill>
+                <a:srgbClr val="00B0F0"/>
+              </a:solidFill>
+              <a:tailEnd type="triangle"/>
+            </a:ln>
+          </p:spPr>
+          <p:style>
+            <a:lnRef idx="1">
+              <a:schemeClr val="accent1"/>
+            </a:lnRef>
+            <a:fillRef idx="0">
+              <a:schemeClr val="accent1"/>
+            </a:fillRef>
+            <a:effectRef idx="0">
+              <a:schemeClr val="accent1"/>
+            </a:effectRef>
+            <a:fontRef idx="minor">
+              <a:schemeClr val="tx1"/>
+            </a:fontRef>
+          </p:style>
+        </p:cxnSp>
+      </p:grpSp>
+      <p:sp>
+        <p:nvSpPr>
+          <p:cNvPr id="129" name="Cloud 128">
+            <a:extLst>
+              <a:ext uri="{FF2B5EF4-FFF2-40B4-BE49-F238E27FC236}">
+                <a16:creationId xmlns:a16="http://schemas.microsoft.com/office/drawing/2014/main" id="{1485B539-D948-4C41-AB89-21310F8303CA}"/>
+              </a:ext>
+            </a:extLst>
+          </p:cNvPr>
+          <p:cNvSpPr/>
+          <p:nvPr/>
+        </p:nvSpPr>
+        <p:spPr>
+          <a:xfrm>
+            <a:off x="3437905" y="229389"/>
+            <a:ext cx="1983179" cy="921879"/>
+          </a:xfrm>
+          <a:prstGeom prst="cloud">
+            <a:avLst/>
+          </a:prstGeom>
+          <a:solidFill>
+            <a:srgbClr val="F2CDFF"/>
+          </a:solidFill>
+          <a:ln>
+            <a:solidFill>
+              <a:srgbClr val="7030A0"/>
+            </a:solidFill>
+          </a:ln>
+        </p:spPr>
+        <p:style>
+          <a:lnRef idx="2">
+            <a:schemeClr val="accent1">
+              <a:shade val="50000"/>
+            </a:schemeClr>
+          </a:lnRef>
+          <a:fillRef idx="1">
+            <a:schemeClr val="accent1"/>
+          </a:fillRef>
+          <a:effectRef idx="0">
+            <a:schemeClr val="accent1"/>
+          </a:effectRef>
+          <a:fontRef idx="minor">
+            <a:schemeClr val="lt1"/>
+          </a:fontRef>
+        </p:style>
+        <p:txBody>
+          <a:bodyPr rtlCol="0" anchor="ctr"/>
+          <a:lstStyle/>
+          <a:p>
+            <a:pPr algn="ctr"/>
+            <a:r>
+              <a:rPr lang="en-US" dirty="0" err="1">
+                <a:solidFill>
+                  <a:schemeClr val="tx1"/>
+                </a:solidFill>
+              </a:rPr>
+              <a:t>btnOK</a:t>
+            </a:r>
+            <a:endParaRPr lang="en-US" dirty="0">
+              <a:solidFill>
+                <a:schemeClr val="tx1"/>
+              </a:solidFill>
+            </a:endParaRPr>
+          </a:p>
+        </p:txBody>
+      </p:sp>
+      <p:sp>
+        <p:nvSpPr>
+          <p:cNvPr id="130" name="Cloud 129">
+            <a:extLst>
+              <a:ext uri="{FF2B5EF4-FFF2-40B4-BE49-F238E27FC236}">
+                <a16:creationId xmlns:a16="http://schemas.microsoft.com/office/drawing/2014/main" id="{228E5104-45CF-4BEC-9713-4AB36F2B12F4}"/>
+              </a:ext>
+            </a:extLst>
+          </p:cNvPr>
+          <p:cNvSpPr/>
+          <p:nvPr/>
+        </p:nvSpPr>
+        <p:spPr>
+          <a:xfrm>
+            <a:off x="6077005" y="229389"/>
+            <a:ext cx="1983179" cy="921879"/>
+          </a:xfrm>
+          <a:prstGeom prst="cloud">
+            <a:avLst/>
+          </a:prstGeom>
+          <a:solidFill>
+            <a:srgbClr val="F2CDFF"/>
+          </a:solidFill>
+          <a:ln>
+            <a:solidFill>
+              <a:srgbClr val="7030A0"/>
+            </a:solidFill>
+          </a:ln>
+        </p:spPr>
+        <p:style>
+          <a:lnRef idx="2">
+            <a:schemeClr val="accent1">
+              <a:shade val="50000"/>
+            </a:schemeClr>
+          </a:lnRef>
+          <a:fillRef idx="1">
+            <a:schemeClr val="accent1"/>
+          </a:fillRef>
+          <a:effectRef idx="0">
+            <a:schemeClr val="accent1"/>
+          </a:effectRef>
+          <a:fontRef idx="minor">
+            <a:schemeClr val="lt1"/>
+          </a:fontRef>
+        </p:style>
+        <p:txBody>
+          <a:bodyPr rtlCol="0" anchor="ctr"/>
+          <a:lstStyle/>
+          <a:p>
+            <a:pPr algn="ctr"/>
+            <a:r>
+              <a:rPr lang="en-US" dirty="0" err="1">
+                <a:solidFill>
+                  <a:schemeClr val="tx1"/>
+                </a:solidFill>
+              </a:rPr>
+              <a:t>btnCancel</a:t>
+            </a:r>
+            <a:endParaRPr lang="en-US" dirty="0">
+              <a:solidFill>
+                <a:schemeClr val="tx1"/>
+              </a:solidFill>
+            </a:endParaRPr>
+          </a:p>
+        </p:txBody>
+      </p:sp>
+      <p:cxnSp>
+        <p:nvCxnSpPr>
+          <p:cNvPr id="132" name="Connector: Curved 131">
+            <a:extLst>
+              <a:ext uri="{FF2B5EF4-FFF2-40B4-BE49-F238E27FC236}">
+                <a16:creationId xmlns:a16="http://schemas.microsoft.com/office/drawing/2014/main" id="{ACB1D67F-E558-48D3-B215-4B7A8F1FF6D9}"/>
+              </a:ext>
+            </a:extLst>
+          </p:cNvPr>
+          <p:cNvCxnSpPr>
+            <a:cxnSpLocks/>
+            <a:stCxn id="129" idx="1"/>
+            <a:endCxn id="32" idx="1"/>
+          </p:cNvCxnSpPr>
+          <p:nvPr/>
+        </p:nvCxnSpPr>
+        <p:spPr>
+          <a:xfrm rot="16200000" flipH="1">
+            <a:off x="3947771" y="1632009"/>
+            <a:ext cx="2070570" cy="1107123"/>
+          </a:xfrm>
+          <a:prstGeom prst="curvedConnector3">
+            <a:avLst>
+              <a:gd name="adj1" fmla="val 50000"/>
+            </a:avLst>
+          </a:prstGeom>
+          <a:ln w="19050">
+            <a:solidFill>
+              <a:srgbClr val="7030A0"/>
+            </a:solidFill>
+            <a:tailEnd type="triangle"/>
+          </a:ln>
+        </p:spPr>
+        <p:style>
+          <a:lnRef idx="1">
+            <a:schemeClr val="accent1"/>
+          </a:lnRef>
+          <a:fillRef idx="0">
+            <a:schemeClr val="accent1"/>
+          </a:fillRef>
+          <a:effectRef idx="0">
+            <a:schemeClr val="accent1"/>
+          </a:effectRef>
+          <a:fontRef idx="minor">
+            <a:schemeClr val="tx1"/>
+          </a:fontRef>
+        </p:style>
+      </p:cxnSp>
+      <p:cxnSp>
+        <p:nvCxnSpPr>
+          <p:cNvPr id="133" name="Connector: Curved 132">
+            <a:extLst>
+              <a:ext uri="{FF2B5EF4-FFF2-40B4-BE49-F238E27FC236}">
+                <a16:creationId xmlns:a16="http://schemas.microsoft.com/office/drawing/2014/main" id="{66410BFD-FC68-41B9-83A6-2B8A2E81086D}"/>
+              </a:ext>
+            </a:extLst>
+          </p:cNvPr>
+          <p:cNvCxnSpPr>
+            <a:cxnSpLocks/>
+            <a:stCxn id="130" idx="1"/>
+            <a:endCxn id="35" idx="1"/>
+          </p:cNvCxnSpPr>
+          <p:nvPr/>
+        </p:nvCxnSpPr>
+        <p:spPr>
+          <a:xfrm rot="16200000" flipH="1">
+            <a:off x="6585920" y="1632961"/>
+            <a:ext cx="2101971" cy="1136620"/>
+          </a:xfrm>
+          <a:prstGeom prst="curvedConnector3">
+            <a:avLst>
+              <a:gd name="adj1" fmla="val 50000"/>
+            </a:avLst>
+          </a:prstGeom>
+          <a:ln w="19050">
+            <a:solidFill>
+              <a:srgbClr val="7030A0"/>
+            </a:solidFill>
+            <a:tailEnd type="triangle"/>
+          </a:ln>
+        </p:spPr>
+        <p:style>
+          <a:lnRef idx="1">
+            <a:schemeClr val="accent1"/>
+          </a:lnRef>
+          <a:fillRef idx="0">
+            <a:schemeClr val="accent1"/>
+          </a:fillRef>
+          <a:effectRef idx="0">
+            <a:schemeClr val="accent1"/>
+          </a:effectRef>
+          <a:fontRef idx="minor">
+            <a:schemeClr val="tx1"/>
+          </a:fontRef>
+        </p:style>
+      </p:cxnSp>
+      <p:sp>
+        <p:nvSpPr>
+          <p:cNvPr id="139" name="Rectangle 138">
+            <a:extLst>
+              <a:ext uri="{FF2B5EF4-FFF2-40B4-BE49-F238E27FC236}">
+                <a16:creationId xmlns:a16="http://schemas.microsoft.com/office/drawing/2014/main" id="{0C112051-A20B-4C24-A113-57DCA0DD256A}"/>
+              </a:ext>
+            </a:extLst>
+          </p:cNvPr>
+          <p:cNvSpPr/>
+          <p:nvPr/>
+        </p:nvSpPr>
+        <p:spPr>
+          <a:xfrm>
+            <a:off x="4429495" y="1282535"/>
+            <a:ext cx="2483095" cy="2362878"/>
+          </a:xfrm>
+          <a:prstGeom prst="rect">
+            <a:avLst/>
+          </a:prstGeom>
+          <a:noFill/>
+          <a:ln>
+            <a:solidFill>
+              <a:srgbClr val="FFC000"/>
+            </a:solidFill>
+            <a:prstDash val="dash"/>
+          </a:ln>
+        </p:spPr>
+        <p:style>
+          <a:lnRef idx="2">
+            <a:schemeClr val="accent1">
+              <a:shade val="50000"/>
+            </a:schemeClr>
+          </a:lnRef>
+          <a:fillRef idx="1">
+            <a:schemeClr val="accent1"/>
+          </a:fillRef>
+          <a:effectRef idx="0">
+            <a:schemeClr val="accent1"/>
+          </a:effectRef>
+          <a:fontRef idx="minor">
+            <a:schemeClr val="lt1"/>
+          </a:fontRef>
+        </p:style>
+        <p:txBody>
+          <a:bodyPr rtlCol="0" anchor="ctr"/>
+          <a:lstStyle/>
+          <a:p>
+            <a:pPr algn="ctr"/>
+            <a:endParaRPr lang="en-US"/>
+          </a:p>
+        </p:txBody>
+      </p:sp>
+      <p:sp>
+        <p:nvSpPr>
+          <p:cNvPr id="140" name="Rectangle 139">
+            <a:extLst>
+              <a:ext uri="{FF2B5EF4-FFF2-40B4-BE49-F238E27FC236}">
+                <a16:creationId xmlns:a16="http://schemas.microsoft.com/office/drawing/2014/main" id="{3527231B-5330-41A8-AF56-1DEE993B6A7B}"/>
+              </a:ext>
+            </a:extLst>
+          </p:cNvPr>
+          <p:cNvSpPr/>
+          <p:nvPr/>
+        </p:nvSpPr>
+        <p:spPr>
+          <a:xfrm>
+            <a:off x="7068595" y="1282535"/>
+            <a:ext cx="2585664" cy="2362878"/>
+          </a:xfrm>
+          <a:prstGeom prst="rect">
+            <a:avLst/>
+          </a:prstGeom>
+          <a:noFill/>
+          <a:ln>
+            <a:solidFill>
+              <a:srgbClr val="FFC000"/>
+            </a:solidFill>
+            <a:prstDash val="dash"/>
+          </a:ln>
+        </p:spPr>
+        <p:style>
+          <a:lnRef idx="2">
+            <a:schemeClr val="accent1">
+              <a:shade val="50000"/>
+            </a:schemeClr>
+          </a:lnRef>
+          <a:fillRef idx="1">
+            <a:schemeClr val="accent1"/>
+          </a:fillRef>
+          <a:effectRef idx="0">
+            <a:schemeClr val="accent1"/>
+          </a:effectRef>
+          <a:fontRef idx="minor">
+            <a:schemeClr val="lt1"/>
+          </a:fontRef>
+        </p:style>
+        <p:txBody>
+          <a:bodyPr rtlCol="0" anchor="ctr"/>
+          <a:lstStyle/>
+          <a:p>
+            <a:pPr algn="ctr"/>
+            <a:endParaRPr lang="en-US"/>
+          </a:p>
+        </p:txBody>
+      </p:sp>
+    </p:spTree>
+    <p:extLst>
+      <p:ext uri="{BB962C8B-B14F-4D97-AF65-F5344CB8AC3E}">
+        <p14:creationId xmlns:p14="http://schemas.microsoft.com/office/powerpoint/2010/main" val="1844624428"/>
+      </p:ext>
+    </p:extLst>
+  </p:cSld>
+  <p:clrMapOvr>
+    <a:masterClrMapping/>
+  </p:clrMapOvr>
+</p:sld>
+</file>
+
 <file path=ppt/theme/theme1.xml><?xml version="1.0" encoding="utf-8"?>
 <a:theme xmlns:a="http://schemas.openxmlformats.org/drawingml/2006/main" name="Office Theme">
   <a:themeElements>
